--- a/ATP Tennis Matches.pptx
+++ b/ATP Tennis Matches.pptx
@@ -11,8 +11,19 @@
     <p:sldId id="261" r:id="rId5"/>
     <p:sldId id="258" r:id="rId6"/>
     <p:sldId id="262" r:id="rId7"/>
-    <p:sldId id="263" r:id="rId8"/>
-    <p:sldId id="259" r:id="rId9"/>
+    <p:sldId id="265" r:id="rId8"/>
+    <p:sldId id="264" r:id="rId9"/>
+    <p:sldId id="267" r:id="rId10"/>
+    <p:sldId id="268" r:id="rId11"/>
+    <p:sldId id="266" r:id="rId12"/>
+    <p:sldId id="269" r:id="rId13"/>
+    <p:sldId id="270" r:id="rId14"/>
+    <p:sldId id="271" r:id="rId15"/>
+    <p:sldId id="273" r:id="rId16"/>
+    <p:sldId id="274" r:id="rId17"/>
+    <p:sldId id="276" r:id="rId18"/>
+    <p:sldId id="275" r:id="rId19"/>
+    <p:sldId id="272" r:id="rId20"/>
   </p:sldIdLst>
   <p:sldSz cx="12192000" cy="6858000"/>
   <p:notesSz cx="6858000" cy="9144000"/>
@@ -897,7 +908,7 @@
           <a:p>
             <a:fld id="{1F86CEB3-6F70-454A-B51E-17576E9526B1}" type="datetimeFigureOut">
               <a:rPr lang="en-US" smtClean="0"/>
-              <a:t>10/28/2025</a:t>
+              <a:t>12/2/2025</a:t>
             </a:fld>
             <a:endParaRPr lang="en-US"/>
           </a:p>
@@ -1148,7 +1159,7 @@
           <a:p>
             <a:fld id="{1F86CEB3-6F70-454A-B51E-17576E9526B1}" type="datetimeFigureOut">
               <a:rPr lang="en-US" smtClean="0"/>
-              <a:t>10/28/2025</a:t>
+              <a:t>12/2/2025</a:t>
             </a:fld>
             <a:endParaRPr lang="en-US"/>
           </a:p>
@@ -1462,7 +1473,7 @@
           <a:p>
             <a:fld id="{1F86CEB3-6F70-454A-B51E-17576E9526B1}" type="datetimeFigureOut">
               <a:rPr lang="en-US" smtClean="0"/>
-              <a:t>10/28/2025</a:t>
+              <a:t>12/2/2025</a:t>
             </a:fld>
             <a:endParaRPr lang="en-US"/>
           </a:p>
@@ -1803,7 +1814,7 @@
           <a:p>
             <a:fld id="{1F86CEB3-6F70-454A-B51E-17576E9526B1}" type="datetimeFigureOut">
               <a:rPr lang="en-US" smtClean="0"/>
-              <a:t>10/28/2025</a:t>
+              <a:t>12/2/2025</a:t>
             </a:fld>
             <a:endParaRPr lang="en-US"/>
           </a:p>
@@ -2117,7 +2128,7 @@
           <a:p>
             <a:fld id="{1F86CEB3-6F70-454A-B51E-17576E9526B1}" type="datetimeFigureOut">
               <a:rPr lang="en-US" smtClean="0"/>
-              <a:t>10/28/2025</a:t>
+              <a:t>12/2/2025</a:t>
             </a:fld>
             <a:endParaRPr lang="en-US"/>
           </a:p>
@@ -2510,7 +2521,7 @@
           <a:p>
             <a:fld id="{1F86CEB3-6F70-454A-B51E-17576E9526B1}" type="datetimeFigureOut">
               <a:rPr lang="en-US" smtClean="0"/>
-              <a:t>10/28/2025</a:t>
+              <a:t>12/2/2025</a:t>
             </a:fld>
             <a:endParaRPr lang="en-US"/>
           </a:p>
@@ -2680,7 +2691,7 @@
           <a:p>
             <a:fld id="{1F86CEB3-6F70-454A-B51E-17576E9526B1}" type="datetimeFigureOut">
               <a:rPr lang="en-US" smtClean="0"/>
-              <a:t>10/28/2025</a:t>
+              <a:t>12/2/2025</a:t>
             </a:fld>
             <a:endParaRPr lang="en-US"/>
           </a:p>
@@ -2860,7 +2871,7 @@
           <a:p>
             <a:fld id="{1F86CEB3-6F70-454A-B51E-17576E9526B1}" type="datetimeFigureOut">
               <a:rPr lang="en-US" smtClean="0"/>
-              <a:t>10/28/2025</a:t>
+              <a:t>12/2/2025</a:t>
             </a:fld>
             <a:endParaRPr lang="en-US"/>
           </a:p>
@@ -3036,7 +3047,7 @@
           <a:p>
             <a:fld id="{1F86CEB3-6F70-454A-B51E-17576E9526B1}" type="datetimeFigureOut">
               <a:rPr lang="en-US" smtClean="0"/>
-              <a:t>10/28/2025</a:t>
+              <a:t>12/2/2025</a:t>
             </a:fld>
             <a:endParaRPr lang="en-US"/>
           </a:p>
@@ -3283,7 +3294,7 @@
           <a:p>
             <a:fld id="{1F86CEB3-6F70-454A-B51E-17576E9526B1}" type="datetimeFigureOut">
               <a:rPr lang="en-US" smtClean="0"/>
-              <a:t>10/28/2025</a:t>
+              <a:t>12/2/2025</a:t>
             </a:fld>
             <a:endParaRPr lang="en-US"/>
           </a:p>
@@ -3515,7 +3526,7 @@
           <a:p>
             <a:fld id="{1F86CEB3-6F70-454A-B51E-17576E9526B1}" type="datetimeFigureOut">
               <a:rPr lang="en-US" smtClean="0"/>
-              <a:t>10/28/2025</a:t>
+              <a:t>12/2/2025</a:t>
             </a:fld>
             <a:endParaRPr lang="en-US"/>
           </a:p>
@@ -3889,7 +3900,7 @@
           <a:p>
             <a:fld id="{1F86CEB3-6F70-454A-B51E-17576E9526B1}" type="datetimeFigureOut">
               <a:rPr lang="en-US" smtClean="0"/>
-              <a:t>10/28/2025</a:t>
+              <a:t>12/2/2025</a:t>
             </a:fld>
             <a:endParaRPr lang="en-US"/>
           </a:p>
@@ -4012,7 +4023,7 @@
           <a:p>
             <a:fld id="{1F86CEB3-6F70-454A-B51E-17576E9526B1}" type="datetimeFigureOut">
               <a:rPr lang="en-US" smtClean="0"/>
-              <a:t>10/28/2025</a:t>
+              <a:t>12/2/2025</a:t>
             </a:fld>
             <a:endParaRPr lang="en-US"/>
           </a:p>
@@ -4107,7 +4118,7 @@
           <a:p>
             <a:fld id="{1F86CEB3-6F70-454A-B51E-17576E9526B1}" type="datetimeFigureOut">
               <a:rPr lang="en-US" smtClean="0"/>
-              <a:t>10/28/2025</a:t>
+              <a:t>12/2/2025</a:t>
             </a:fld>
             <a:endParaRPr lang="en-US"/>
           </a:p>
@@ -4362,7 +4373,7 @@
           <a:p>
             <a:fld id="{1F86CEB3-6F70-454A-B51E-17576E9526B1}" type="datetimeFigureOut">
               <a:rPr lang="en-US" smtClean="0"/>
-              <a:t>10/28/2025</a:t>
+              <a:t>12/2/2025</a:t>
             </a:fld>
             <a:endParaRPr lang="en-US"/>
           </a:p>
@@ -4625,7 +4636,7 @@
           <a:p>
             <a:fld id="{1F86CEB3-6F70-454A-B51E-17576E9526B1}" type="datetimeFigureOut">
               <a:rPr lang="en-US" smtClean="0"/>
-              <a:t>10/28/2025</a:t>
+              <a:t>12/2/2025</a:t>
             </a:fld>
             <a:endParaRPr lang="en-US"/>
           </a:p>
@@ -5424,7 +5435,7 @@
           <a:p>
             <a:fld id="{1F86CEB3-6F70-454A-B51E-17576E9526B1}" type="datetimeFigureOut">
               <a:rPr lang="en-US" smtClean="0"/>
-              <a:t>10/28/2025</a:t>
+              <a:t>12/2/2025</a:t>
             </a:fld>
             <a:endParaRPr lang="en-US"/>
           </a:p>
@@ -6055,7 +6066,7 @@
           <a:lstStyle/>
           <a:p>
             <a:r>
-              <a:rPr lang="en-US" sz="4800"/>
+              <a:rPr lang="en-US" sz="4800" dirty="0"/>
               <a:t>ATP Tennis Matches</a:t>
             </a:r>
           </a:p>
@@ -6924,6 +6935,1431 @@
 </p:sld>
 </file>
 
+<file path=ppt/slides/slide10.xml><?xml version="1.0" encoding="utf-8"?>
+<p:sld xmlns:a="http://schemas.openxmlformats.org/drawingml/2006/main" xmlns:r="http://schemas.openxmlformats.org/officeDocument/2006/relationships" xmlns:p="http://schemas.openxmlformats.org/presentationml/2006/main">
+  <p:cSld>
+    <p:spTree>
+      <p:nvGrpSpPr>
+        <p:cNvPr id="1" name=""/>
+        <p:cNvGrpSpPr/>
+        <p:nvPr/>
+      </p:nvGrpSpPr>
+      <p:grpSpPr>
+        <a:xfrm>
+          <a:off x="0" y="0"/>
+          <a:ext cx="0" cy="0"/>
+          <a:chOff x="0" y="0"/>
+          <a:chExt cx="0" cy="0"/>
+        </a:xfrm>
+      </p:grpSpPr>
+      <p:sp>
+        <p:nvSpPr>
+          <p:cNvPr id="2" name="Title 1">
+            <a:extLst>
+              <a:ext uri="{FF2B5EF4-FFF2-40B4-BE49-F238E27FC236}">
+                <a16:creationId xmlns:a16="http://schemas.microsoft.com/office/drawing/2014/main" id="{67461B36-F6B6-488B-0C5F-9AF05CF98444}"/>
+              </a:ext>
+            </a:extLst>
+          </p:cNvPr>
+          <p:cNvSpPr>
+            <a:spLocks noGrp="1"/>
+          </p:cNvSpPr>
+          <p:nvPr>
+            <p:ph type="title"/>
+          </p:nvPr>
+        </p:nvSpPr>
+        <p:spPr/>
+        <p:txBody>
+          <a:bodyPr/>
+          <a:lstStyle/>
+          <a:p>
+            <a:r>
+              <a:rPr lang="en-US" dirty="0"/>
+              <a:t>Singular Value Decomposition (SVD)</a:t>
+            </a:r>
+          </a:p>
+        </p:txBody>
+      </p:sp>
+      <p:sp>
+        <p:nvSpPr>
+          <p:cNvPr id="3" name="Content Placeholder 2">
+            <a:extLst>
+              <a:ext uri="{FF2B5EF4-FFF2-40B4-BE49-F238E27FC236}">
+                <a16:creationId xmlns:a16="http://schemas.microsoft.com/office/drawing/2014/main" id="{AFCEA0EE-F2E6-F0F8-1431-C0705027DE5E}"/>
+              </a:ext>
+            </a:extLst>
+          </p:cNvPr>
+          <p:cNvSpPr>
+            <a:spLocks noGrp="1"/>
+          </p:cNvSpPr>
+          <p:nvPr>
+            <p:ph idx="1"/>
+          </p:nvPr>
+        </p:nvSpPr>
+        <p:spPr/>
+        <p:txBody>
+          <a:bodyPr/>
+          <a:lstStyle/>
+          <a:p>
+            <a:r>
+              <a:rPr lang="en-US" dirty="0"/>
+              <a:t>SVD singular values: [384.66008365 302.40314713 281.05166577 268.85902705 267.40280499</a:t>
+            </a:r>
+          </a:p>
+          <a:p>
+            <a:r>
+              <a:rPr lang="en-US" dirty="0"/>
+              <a:t> 255.60342309 221.6947238  213.26541155 161.38055973]</a:t>
+            </a:r>
+          </a:p>
+          <a:p>
+            <a:r>
+              <a:rPr lang="en-US" dirty="0"/>
+              <a:t>Explained variance ratio by SVD (normalized): [0.2282688  0.14107983 0.12186097 0.11151712 0.11031237 0.1007919</a:t>
+            </a:r>
+          </a:p>
+          <a:p>
+            <a:r>
+              <a:rPr lang="en-US" dirty="0"/>
+              <a:t> 0.07582336 0.07016704 0.0401786 ]</a:t>
+            </a:r>
+          </a:p>
+        </p:txBody>
+      </p:sp>
+    </p:spTree>
+    <p:extLst>
+      <p:ext uri="{BB962C8B-B14F-4D97-AF65-F5344CB8AC3E}">
+        <p14:creationId xmlns:p14="http://schemas.microsoft.com/office/powerpoint/2010/main" val="4213649084"/>
+      </p:ext>
+    </p:extLst>
+  </p:cSld>
+  <p:clrMapOvr>
+    <a:masterClrMapping/>
+  </p:clrMapOvr>
+</p:sld>
+</file>
+
+<file path=ppt/slides/slide11.xml><?xml version="1.0" encoding="utf-8"?>
+<p:sld xmlns:a="http://schemas.openxmlformats.org/drawingml/2006/main" xmlns:r="http://schemas.openxmlformats.org/officeDocument/2006/relationships" xmlns:p="http://schemas.openxmlformats.org/presentationml/2006/main">
+  <p:cSld>
+    <p:spTree>
+      <p:nvGrpSpPr>
+        <p:cNvPr id="1" name=""/>
+        <p:cNvGrpSpPr/>
+        <p:nvPr/>
+      </p:nvGrpSpPr>
+      <p:grpSpPr>
+        <a:xfrm>
+          <a:off x="0" y="0"/>
+          <a:ext cx="0" cy="0"/>
+          <a:chOff x="0" y="0"/>
+          <a:chExt cx="0" cy="0"/>
+        </a:xfrm>
+      </p:grpSpPr>
+      <p:sp>
+        <p:nvSpPr>
+          <p:cNvPr id="2" name="Title 1">
+            <a:extLst>
+              <a:ext uri="{FF2B5EF4-FFF2-40B4-BE49-F238E27FC236}">
+                <a16:creationId xmlns:a16="http://schemas.microsoft.com/office/drawing/2014/main" id="{39FFA32A-AA37-3909-EB07-5E1C2987B683}"/>
+              </a:ext>
+            </a:extLst>
+          </p:cNvPr>
+          <p:cNvSpPr>
+            <a:spLocks noGrp="1"/>
+          </p:cNvSpPr>
+          <p:nvPr>
+            <p:ph type="title"/>
+          </p:nvPr>
+        </p:nvSpPr>
+        <p:spPr/>
+        <p:txBody>
+          <a:bodyPr/>
+          <a:lstStyle/>
+          <a:p>
+            <a:r>
+              <a:rPr lang="en-US" dirty="0"/>
+              <a:t>VIF</a:t>
+            </a:r>
+          </a:p>
+        </p:txBody>
+      </p:sp>
+      <p:sp>
+        <p:nvSpPr>
+          <p:cNvPr id="3" name="Content Placeholder 2">
+            <a:extLst>
+              <a:ext uri="{FF2B5EF4-FFF2-40B4-BE49-F238E27FC236}">
+                <a16:creationId xmlns:a16="http://schemas.microsoft.com/office/drawing/2014/main" id="{12F95500-D73F-1021-3360-415AD2CA52C5}"/>
+              </a:ext>
+            </a:extLst>
+          </p:cNvPr>
+          <p:cNvSpPr>
+            <a:spLocks noGrp="1"/>
+          </p:cNvSpPr>
+          <p:nvPr>
+            <p:ph idx="1"/>
+          </p:nvPr>
+        </p:nvSpPr>
+        <p:spPr/>
+        <p:txBody>
+          <a:bodyPr>
+            <a:normAutofit fontScale="92500" lnSpcReduction="20000"/>
+          </a:bodyPr>
+          <a:lstStyle/>
+          <a:p>
+            <a:r>
+              <a:rPr lang="en-US" dirty="0"/>
+              <a:t>Variance Inflation Factors (VIF):</a:t>
+            </a:r>
+          </a:p>
+          <a:p>
+            <a:r>
+              <a:rPr lang="en-US" dirty="0"/>
+              <a:t>                  Feature       VIF</a:t>
+            </a:r>
+          </a:p>
+          <a:p>
+            <a:r>
+              <a:rPr lang="en-US" dirty="0"/>
+              <a:t>0       </a:t>
+            </a:r>
+            <a:r>
+              <a:rPr lang="en-US" dirty="0" err="1"/>
+              <a:t>combined_elo_diff</a:t>
+            </a:r>
+            <a:r>
+              <a:rPr lang="en-US" dirty="0"/>
+              <a:t>  1.820522</a:t>
+            </a:r>
+          </a:p>
+          <a:p>
+            <a:r>
+              <a:rPr lang="en-US" dirty="0"/>
+              <a:t>1       </a:t>
+            </a:r>
+            <a:r>
+              <a:rPr lang="en-US" dirty="0" err="1"/>
+              <a:t>last_minutes_diff</a:t>
+            </a:r>
+            <a:r>
+              <a:rPr lang="en-US" dirty="0"/>
+              <a:t>  1.118266</a:t>
+            </a:r>
+          </a:p>
+          <a:p>
+            <a:r>
+              <a:rPr lang="en-US" dirty="0"/>
+              <a:t>2        fatigue_10d_diff  1.180064</a:t>
+            </a:r>
+          </a:p>
+          <a:p>
+            <a:r>
+              <a:rPr lang="en-US" dirty="0"/>
+              <a:t>3       </a:t>
+            </a:r>
+            <a:r>
+              <a:rPr lang="en-US" dirty="0" err="1"/>
+              <a:t>year_fatigue_diff</a:t>
+            </a:r>
+            <a:r>
+              <a:rPr lang="en-US" dirty="0"/>
+              <a:t>  1.619885</a:t>
+            </a:r>
+          </a:p>
+          <a:p>
+            <a:r>
+              <a:rPr lang="en-US" dirty="0"/>
+              <a:t>4            </a:t>
+            </a:r>
+            <a:r>
+              <a:rPr lang="en-US" dirty="0" err="1"/>
+              <a:t>raw_age_diff</a:t>
+            </a:r>
+            <a:r>
+              <a:rPr lang="en-US" dirty="0"/>
+              <a:t>  1.023798</a:t>
+            </a:r>
+          </a:p>
+          <a:p>
+            <a:r>
+              <a:rPr lang="en-US" dirty="0"/>
+              <a:t>5          </a:t>
+            </a:r>
+            <a:r>
+              <a:rPr lang="en-US" dirty="0" err="1"/>
+              <a:t>prime_age_diff</a:t>
+            </a:r>
+            <a:r>
+              <a:rPr lang="en-US" dirty="0"/>
+              <a:t>  1.015899</a:t>
+            </a:r>
+          </a:p>
+          <a:p>
+            <a:r>
+              <a:rPr lang="en-US" dirty="0"/>
+              <a:t>6         </a:t>
+            </a:r>
+            <a:r>
+              <a:rPr lang="en-US" dirty="0" err="1"/>
+              <a:t>raw_height_diff</a:t>
+            </a:r>
+            <a:r>
+              <a:rPr lang="en-US" dirty="0"/>
+              <a:t>  1.013375</a:t>
+            </a:r>
+          </a:p>
+          <a:p>
+            <a:r>
+              <a:rPr lang="en-US" dirty="0"/>
+              <a:t>7       </a:t>
+            </a:r>
+            <a:r>
+              <a:rPr lang="en-US" dirty="0" err="1"/>
+              <a:t>prime_height_diff</a:t>
+            </a:r>
+            <a:r>
+              <a:rPr lang="en-US" dirty="0"/>
+              <a:t>  1.001294</a:t>
+            </a:r>
+          </a:p>
+          <a:p>
+            <a:r>
+              <a:rPr lang="en-US" dirty="0"/>
+              <a:t>8  </a:t>
+            </a:r>
+            <a:r>
+              <a:rPr lang="en-US" dirty="0" err="1"/>
+              <a:t>service_advantage_diff</a:t>
+            </a:r>
+            <a:r>
+              <a:rPr lang="en-US" dirty="0"/>
+              <a:t>  1.313344</a:t>
+            </a:r>
+          </a:p>
+        </p:txBody>
+      </p:sp>
+    </p:spTree>
+    <p:extLst>
+      <p:ext uri="{BB962C8B-B14F-4D97-AF65-F5344CB8AC3E}">
+        <p14:creationId xmlns:p14="http://schemas.microsoft.com/office/powerpoint/2010/main" val="160592785"/>
+      </p:ext>
+    </p:extLst>
+  </p:cSld>
+  <p:clrMapOvr>
+    <a:masterClrMapping/>
+  </p:clrMapOvr>
+</p:sld>
+</file>
+
+<file path=ppt/slides/slide12.xml><?xml version="1.0" encoding="utf-8"?>
+<p:sld xmlns:a="http://schemas.openxmlformats.org/drawingml/2006/main" xmlns:r="http://schemas.openxmlformats.org/officeDocument/2006/relationships" xmlns:p="http://schemas.openxmlformats.org/presentationml/2006/main">
+  <p:cSld>
+    <p:spTree>
+      <p:nvGrpSpPr>
+        <p:cNvPr id="1" name=""/>
+        <p:cNvGrpSpPr/>
+        <p:nvPr/>
+      </p:nvGrpSpPr>
+      <p:grpSpPr>
+        <a:xfrm>
+          <a:off x="0" y="0"/>
+          <a:ext cx="0" cy="0"/>
+          <a:chOff x="0" y="0"/>
+          <a:chExt cx="0" cy="0"/>
+        </a:xfrm>
+      </p:grpSpPr>
+      <p:sp>
+        <p:nvSpPr>
+          <p:cNvPr id="2" name="Title 1">
+            <a:extLst>
+              <a:ext uri="{FF2B5EF4-FFF2-40B4-BE49-F238E27FC236}">
+                <a16:creationId xmlns:a16="http://schemas.microsoft.com/office/drawing/2014/main" id="{1ECC4366-BEB6-35D2-6B81-03F758CEE507}"/>
+              </a:ext>
+            </a:extLst>
+          </p:cNvPr>
+          <p:cNvSpPr>
+            <a:spLocks noGrp="1"/>
+          </p:cNvSpPr>
+          <p:nvPr>
+            <p:ph type="title"/>
+          </p:nvPr>
+        </p:nvSpPr>
+        <p:spPr>
+          <a:xfrm>
+            <a:off x="677334" y="609600"/>
+            <a:ext cx="8596668" cy="902329"/>
+          </a:xfrm>
+        </p:spPr>
+        <p:txBody>
+          <a:bodyPr/>
+          <a:lstStyle/>
+          <a:p>
+            <a:r>
+              <a:rPr lang="en-US" dirty="0"/>
+              <a:t>Random Forest Analysis</a:t>
+            </a:r>
+          </a:p>
+        </p:txBody>
+      </p:sp>
+      <p:sp>
+        <p:nvSpPr>
+          <p:cNvPr id="3" name="Content Placeholder 2">
+            <a:extLst>
+              <a:ext uri="{FF2B5EF4-FFF2-40B4-BE49-F238E27FC236}">
+                <a16:creationId xmlns:a16="http://schemas.microsoft.com/office/drawing/2014/main" id="{83590FBA-33B5-ED71-2974-34D1E5C461E3}"/>
+              </a:ext>
+            </a:extLst>
+          </p:cNvPr>
+          <p:cNvSpPr>
+            <a:spLocks noGrp="1"/>
+          </p:cNvSpPr>
+          <p:nvPr>
+            <p:ph idx="1"/>
+          </p:nvPr>
+        </p:nvSpPr>
+        <p:spPr>
+          <a:xfrm>
+            <a:off x="677334" y="1780344"/>
+            <a:ext cx="8596668" cy="3880773"/>
+          </a:xfrm>
+        </p:spPr>
+        <p:txBody>
+          <a:bodyPr>
+            <a:normAutofit fontScale="77500" lnSpcReduction="20000"/>
+          </a:bodyPr>
+          <a:lstStyle/>
+          <a:p>
+            <a:r>
+              <a:rPr lang="en-US" dirty="0"/>
+              <a:t> Feature  Importance</a:t>
+            </a:r>
+          </a:p>
+          <a:p>
+            <a:r>
+              <a:rPr lang="en-US" dirty="0"/>
+              <a:t>0        </a:t>
+            </a:r>
+            <a:r>
+              <a:rPr lang="en-US" dirty="0" err="1"/>
+              <a:t>combined_elo_diff</a:t>
+            </a:r>
+            <a:r>
+              <a:rPr lang="en-US" dirty="0"/>
+              <a:t>    0.263364</a:t>
+            </a:r>
+          </a:p>
+          <a:p>
+            <a:r>
+              <a:rPr lang="en-US" dirty="0"/>
+              <a:t>3        </a:t>
+            </a:r>
+            <a:r>
+              <a:rPr lang="en-US" dirty="0" err="1"/>
+              <a:t>year_fatigue_diff</a:t>
+            </a:r>
+            <a:r>
+              <a:rPr lang="en-US" dirty="0"/>
+              <a:t>    0.139366</a:t>
+            </a:r>
+          </a:p>
+          <a:p>
+            <a:r>
+              <a:rPr lang="en-US" dirty="0"/>
+              <a:t>8   </a:t>
+            </a:r>
+            <a:r>
+              <a:rPr lang="en-US" dirty="0" err="1"/>
+              <a:t>service_advantage_diff</a:t>
+            </a:r>
+            <a:r>
+              <a:rPr lang="en-US" dirty="0"/>
+              <a:t>    0.131973</a:t>
+            </a:r>
+          </a:p>
+          <a:p>
+            <a:r>
+              <a:rPr lang="en-US" dirty="0"/>
+              <a:t>4             </a:t>
+            </a:r>
+            <a:r>
+              <a:rPr lang="en-US" dirty="0" err="1"/>
+              <a:t>raw_age_diff</a:t>
+            </a:r>
+            <a:r>
+              <a:rPr lang="en-US" dirty="0"/>
+              <a:t>    0.099571</a:t>
+            </a:r>
+          </a:p>
+          <a:p>
+            <a:r>
+              <a:rPr lang="en-US" dirty="0"/>
+              <a:t>5           </a:t>
+            </a:r>
+            <a:r>
+              <a:rPr lang="en-US" dirty="0" err="1"/>
+              <a:t>prime_age_diff</a:t>
+            </a:r>
+            <a:r>
+              <a:rPr lang="en-US" dirty="0"/>
+              <a:t>    0.099301</a:t>
+            </a:r>
+          </a:p>
+          <a:p>
+            <a:r>
+              <a:rPr lang="en-US" dirty="0"/>
+              <a:t>2         fatigue_10d_diff    0.082862</a:t>
+            </a:r>
+          </a:p>
+          <a:p>
+            <a:r>
+              <a:rPr lang="en-US" dirty="0"/>
+              <a:t>7        </a:t>
+            </a:r>
+            <a:r>
+              <a:rPr lang="en-US" dirty="0" err="1"/>
+              <a:t>prime_height_diff</a:t>
+            </a:r>
+            <a:r>
+              <a:rPr lang="en-US" dirty="0"/>
+              <a:t>    0.070821</a:t>
+            </a:r>
+          </a:p>
+          <a:p>
+            <a:r>
+              <a:rPr lang="en-US" dirty="0"/>
+              <a:t>6          </a:t>
+            </a:r>
+            <a:r>
+              <a:rPr lang="en-US" dirty="0" err="1"/>
+              <a:t>raw_height_diff</a:t>
+            </a:r>
+            <a:r>
+              <a:rPr lang="en-US" dirty="0"/>
+              <a:t>    0.063034</a:t>
+            </a:r>
+          </a:p>
+          <a:p>
+            <a:r>
+              <a:rPr lang="en-US" dirty="0"/>
+              <a:t>1        </a:t>
+            </a:r>
+            <a:r>
+              <a:rPr lang="en-US" dirty="0" err="1"/>
+              <a:t>last_minutes_diff</a:t>
+            </a:r>
+            <a:r>
+              <a:rPr lang="en-US" dirty="0"/>
+              <a:t>    0.027542</a:t>
+            </a:r>
+          </a:p>
+          <a:p>
+            <a:r>
+              <a:rPr lang="en-US" dirty="0"/>
+              <a:t>11               best_of_5    0.010086</a:t>
+            </a:r>
+          </a:p>
+          <a:p>
+            <a:r>
+              <a:rPr lang="en-US" dirty="0"/>
+              <a:t>10          rusty_diff_1.0    0.006438</a:t>
+            </a:r>
+          </a:p>
+          <a:p>
+            <a:r>
+              <a:rPr lang="en-US" dirty="0"/>
+              <a:t>9           rusty_diff_0.0    0.005643</a:t>
+            </a:r>
+          </a:p>
+        </p:txBody>
+      </p:sp>
+    </p:spTree>
+    <p:extLst>
+      <p:ext uri="{BB962C8B-B14F-4D97-AF65-F5344CB8AC3E}">
+        <p14:creationId xmlns:p14="http://schemas.microsoft.com/office/powerpoint/2010/main" val="2082673983"/>
+      </p:ext>
+    </p:extLst>
+  </p:cSld>
+  <p:clrMapOvr>
+    <a:masterClrMapping/>
+  </p:clrMapOvr>
+</p:sld>
+</file>
+
+<file path=ppt/slides/slide13.xml><?xml version="1.0" encoding="utf-8"?>
+<p:sld xmlns:a="http://schemas.openxmlformats.org/drawingml/2006/main" xmlns:r="http://schemas.openxmlformats.org/officeDocument/2006/relationships" xmlns:p="http://schemas.openxmlformats.org/presentationml/2006/main">
+  <p:cSld>
+    <p:spTree>
+      <p:nvGrpSpPr>
+        <p:cNvPr id="1" name=""/>
+        <p:cNvGrpSpPr/>
+        <p:nvPr/>
+      </p:nvGrpSpPr>
+      <p:grpSpPr>
+        <a:xfrm>
+          <a:off x="0" y="0"/>
+          <a:ext cx="0" cy="0"/>
+          <a:chOff x="0" y="0"/>
+          <a:chExt cx="0" cy="0"/>
+        </a:xfrm>
+      </p:grpSpPr>
+      <p:sp>
+        <p:nvSpPr>
+          <p:cNvPr id="2" name="Title 1">
+            <a:extLst>
+              <a:ext uri="{FF2B5EF4-FFF2-40B4-BE49-F238E27FC236}">
+                <a16:creationId xmlns:a16="http://schemas.microsoft.com/office/drawing/2014/main" id="{FFC64A68-A3CD-EE01-DEE3-8C405352DBB6}"/>
+              </a:ext>
+            </a:extLst>
+          </p:cNvPr>
+          <p:cNvSpPr>
+            <a:spLocks noGrp="1"/>
+          </p:cNvSpPr>
+          <p:nvPr>
+            <p:ph type="title"/>
+          </p:nvPr>
+        </p:nvSpPr>
+        <p:spPr/>
+        <p:txBody>
+          <a:bodyPr/>
+          <a:lstStyle/>
+          <a:p>
+            <a:r>
+              <a:rPr lang="en-US" dirty="0"/>
+              <a:t>Linear Regression</a:t>
+            </a:r>
+          </a:p>
+        </p:txBody>
+      </p:sp>
+      <p:sp>
+        <p:nvSpPr>
+          <p:cNvPr id="3" name="Content Placeholder 2">
+            <a:extLst>
+              <a:ext uri="{FF2B5EF4-FFF2-40B4-BE49-F238E27FC236}">
+                <a16:creationId xmlns:a16="http://schemas.microsoft.com/office/drawing/2014/main" id="{7F0AEC7B-59EB-8AD6-E8A2-AFE1D4EF354C}"/>
+              </a:ext>
+            </a:extLst>
+          </p:cNvPr>
+          <p:cNvSpPr>
+            <a:spLocks noGrp="1"/>
+          </p:cNvSpPr>
+          <p:nvPr>
+            <p:ph idx="1"/>
+          </p:nvPr>
+        </p:nvSpPr>
+        <p:spPr/>
+        <p:txBody>
+          <a:bodyPr/>
+          <a:lstStyle/>
+          <a:p>
+            <a:endParaRPr lang="en-US" dirty="0"/>
+          </a:p>
+        </p:txBody>
+      </p:sp>
+    </p:spTree>
+    <p:extLst>
+      <p:ext uri="{BB962C8B-B14F-4D97-AF65-F5344CB8AC3E}">
+        <p14:creationId xmlns:p14="http://schemas.microsoft.com/office/powerpoint/2010/main" val="2029036304"/>
+      </p:ext>
+    </p:extLst>
+  </p:cSld>
+  <p:clrMapOvr>
+    <a:masterClrMapping/>
+  </p:clrMapOvr>
+</p:sld>
+</file>
+
+<file path=ppt/slides/slide14.xml><?xml version="1.0" encoding="utf-8"?>
+<p:sld xmlns:a="http://schemas.openxmlformats.org/drawingml/2006/main" xmlns:r="http://schemas.openxmlformats.org/officeDocument/2006/relationships" xmlns:p="http://schemas.openxmlformats.org/presentationml/2006/main">
+  <p:cSld>
+    <p:spTree>
+      <p:nvGrpSpPr>
+        <p:cNvPr id="1" name=""/>
+        <p:cNvGrpSpPr/>
+        <p:nvPr/>
+      </p:nvGrpSpPr>
+      <p:grpSpPr>
+        <a:xfrm>
+          <a:off x="0" y="0"/>
+          <a:ext cx="0" cy="0"/>
+          <a:chOff x="0" y="0"/>
+          <a:chExt cx="0" cy="0"/>
+        </a:xfrm>
+      </p:grpSpPr>
+      <p:sp>
+        <p:nvSpPr>
+          <p:cNvPr id="2" name="Title 1">
+            <a:extLst>
+              <a:ext uri="{FF2B5EF4-FFF2-40B4-BE49-F238E27FC236}">
+                <a16:creationId xmlns:a16="http://schemas.microsoft.com/office/drawing/2014/main" id="{995CC7BB-0E3C-D860-6D76-AC0888C4B9CE}"/>
+              </a:ext>
+            </a:extLst>
+          </p:cNvPr>
+          <p:cNvSpPr>
+            <a:spLocks noGrp="1"/>
+          </p:cNvSpPr>
+          <p:nvPr>
+            <p:ph type="title"/>
+          </p:nvPr>
+        </p:nvSpPr>
+        <p:spPr/>
+        <p:txBody>
+          <a:bodyPr/>
+          <a:lstStyle/>
+          <a:p>
+            <a:r>
+              <a:rPr lang="en-US" dirty="0"/>
+              <a:t>Classification</a:t>
+            </a:r>
+          </a:p>
+        </p:txBody>
+      </p:sp>
+      <p:sp>
+        <p:nvSpPr>
+          <p:cNvPr id="3" name="Content Placeholder 2">
+            <a:extLst>
+              <a:ext uri="{FF2B5EF4-FFF2-40B4-BE49-F238E27FC236}">
+                <a16:creationId xmlns:a16="http://schemas.microsoft.com/office/drawing/2014/main" id="{1E65CAB8-BBD5-271D-4E3C-5440344DA490}"/>
+              </a:ext>
+            </a:extLst>
+          </p:cNvPr>
+          <p:cNvSpPr>
+            <a:spLocks noGrp="1"/>
+          </p:cNvSpPr>
+          <p:nvPr>
+            <p:ph idx="1"/>
+          </p:nvPr>
+        </p:nvSpPr>
+        <p:spPr/>
+        <p:txBody>
+          <a:bodyPr/>
+          <a:lstStyle/>
+          <a:p>
+            <a:r>
+              <a:rPr lang="en-US" dirty="0"/>
+              <a:t>Win/Loss for a match</a:t>
+            </a:r>
+          </a:p>
+          <a:p>
+            <a:r>
+              <a:rPr lang="en-US" dirty="0"/>
+              <a:t>Player A wins </a:t>
+            </a:r>
+            <a:r>
+              <a:rPr lang="en-US" dirty="0">
+                <a:sym typeface="Wingdings" panose="05000000000000000000" pitchFamily="2" charset="2"/>
+              </a:rPr>
+              <a:t> 1</a:t>
+            </a:r>
+          </a:p>
+          <a:p>
+            <a:r>
+              <a:rPr lang="en-US" dirty="0">
+                <a:sym typeface="Wingdings" panose="05000000000000000000" pitchFamily="2" charset="2"/>
+              </a:rPr>
+              <a:t>Player B wins  0</a:t>
+            </a:r>
+            <a:endParaRPr lang="en-US" dirty="0"/>
+          </a:p>
+        </p:txBody>
+      </p:sp>
+    </p:spTree>
+    <p:extLst>
+      <p:ext uri="{BB962C8B-B14F-4D97-AF65-F5344CB8AC3E}">
+        <p14:creationId xmlns:p14="http://schemas.microsoft.com/office/powerpoint/2010/main" val="3785194747"/>
+      </p:ext>
+    </p:extLst>
+  </p:cSld>
+  <p:clrMapOvr>
+    <a:masterClrMapping/>
+  </p:clrMapOvr>
+</p:sld>
+</file>
+
+<file path=ppt/slides/slide15.xml><?xml version="1.0" encoding="utf-8"?>
+<p:sld xmlns:a="http://schemas.openxmlformats.org/drawingml/2006/main" xmlns:r="http://schemas.openxmlformats.org/officeDocument/2006/relationships" xmlns:p="http://schemas.openxmlformats.org/presentationml/2006/main">
+  <p:cSld>
+    <p:spTree>
+      <p:nvGrpSpPr>
+        <p:cNvPr id="1" name=""/>
+        <p:cNvGrpSpPr/>
+        <p:nvPr/>
+      </p:nvGrpSpPr>
+      <p:grpSpPr>
+        <a:xfrm>
+          <a:off x="0" y="0"/>
+          <a:ext cx="0" cy="0"/>
+          <a:chOff x="0" y="0"/>
+          <a:chExt cx="0" cy="0"/>
+        </a:xfrm>
+      </p:grpSpPr>
+      <p:sp>
+        <p:nvSpPr>
+          <p:cNvPr id="2" name="Title 1">
+            <a:extLst>
+              <a:ext uri="{FF2B5EF4-FFF2-40B4-BE49-F238E27FC236}">
+                <a16:creationId xmlns:a16="http://schemas.microsoft.com/office/drawing/2014/main" id="{88C790DE-716C-06AD-F84D-1F37C528B0CD}"/>
+              </a:ext>
+            </a:extLst>
+          </p:cNvPr>
+          <p:cNvSpPr>
+            <a:spLocks noGrp="1"/>
+          </p:cNvSpPr>
+          <p:nvPr>
+            <p:ph type="title"/>
+          </p:nvPr>
+        </p:nvSpPr>
+        <p:spPr/>
+        <p:txBody>
+          <a:bodyPr/>
+          <a:lstStyle/>
+          <a:p>
+            <a:r>
+              <a:rPr lang="en-US" dirty="0"/>
+              <a:t>Classification - LDA</a:t>
+            </a:r>
+          </a:p>
+        </p:txBody>
+      </p:sp>
+      <p:sp>
+        <p:nvSpPr>
+          <p:cNvPr id="3" name="Content Placeholder 2">
+            <a:extLst>
+              <a:ext uri="{FF2B5EF4-FFF2-40B4-BE49-F238E27FC236}">
+                <a16:creationId xmlns:a16="http://schemas.microsoft.com/office/drawing/2014/main" id="{94B10494-A41E-3987-49EF-7DAF5CBFDD73}"/>
+              </a:ext>
+            </a:extLst>
+          </p:cNvPr>
+          <p:cNvSpPr>
+            <a:spLocks noGrp="1"/>
+          </p:cNvSpPr>
+          <p:nvPr>
+            <p:ph idx="1"/>
+          </p:nvPr>
+        </p:nvSpPr>
+        <p:spPr/>
+        <p:txBody>
+          <a:bodyPr>
+            <a:normAutofit fontScale="62500" lnSpcReduction="20000"/>
+          </a:bodyPr>
+          <a:lstStyle/>
+          <a:p>
+            <a:r>
+              <a:rPr lang="en-US" dirty="0"/>
+              <a:t>--- LDA Classification Results ---</a:t>
+            </a:r>
+          </a:p>
+          <a:p>
+            <a:r>
+              <a:rPr lang="en-US" dirty="0"/>
+              <a:t>Best LDA Parameters: {'shrinkage': None, 'solver': '</a:t>
+            </a:r>
+            <a:r>
+              <a:rPr lang="en-US" dirty="0" err="1"/>
+              <a:t>svd</a:t>
+            </a:r>
+            <a:r>
+              <a:rPr lang="en-US" dirty="0"/>
+              <a:t>'}</a:t>
+            </a:r>
+          </a:p>
+          <a:p>
+            <a:r>
+              <a:rPr lang="en-US" dirty="0"/>
+              <a:t>Best CV Score (Accuracy): 0.6703</a:t>
+            </a:r>
+          </a:p>
+          <a:p>
+            <a:r>
+              <a:rPr lang="en-US" dirty="0"/>
+              <a:t>Test Set Accuracy: 0.6533</a:t>
+            </a:r>
+          </a:p>
+          <a:p>
+            <a:endParaRPr lang="en-US" dirty="0"/>
+          </a:p>
+          <a:p>
+            <a:r>
+              <a:rPr lang="en-US" dirty="0"/>
+              <a:t>Classification Report (Test Set):</a:t>
+            </a:r>
+          </a:p>
+          <a:p>
+            <a:r>
+              <a:rPr lang="en-US" dirty="0"/>
+              <a:t>               precision    recall  f1-score   support</a:t>
+            </a:r>
+          </a:p>
+          <a:p>
+            <a:endParaRPr lang="en-US" dirty="0"/>
+          </a:p>
+          <a:p>
+            <a:r>
+              <a:rPr lang="en-US" dirty="0"/>
+              <a:t>           0       0.65      0.65      0.65      8955</a:t>
+            </a:r>
+          </a:p>
+          <a:p>
+            <a:r>
+              <a:rPr lang="en-US" dirty="0"/>
+              <a:t>           1       0.66      0.65      0.65      9051</a:t>
+            </a:r>
+          </a:p>
+          <a:p>
+            <a:endParaRPr lang="en-US" dirty="0"/>
+          </a:p>
+          <a:p>
+            <a:r>
+              <a:rPr lang="en-US" dirty="0"/>
+              <a:t>    accuracy                           0.65     18006</a:t>
+            </a:r>
+          </a:p>
+          <a:p>
+            <a:r>
+              <a:rPr lang="en-US" dirty="0"/>
+              <a:t>   macro avg       0.65      0.65      0.65     18006</a:t>
+            </a:r>
+          </a:p>
+          <a:p>
+            <a:r>
+              <a:rPr lang="en-US" dirty="0"/>
+              <a:t>weighted avg       0.65      0.65      0.65     18006</a:t>
+            </a:r>
+          </a:p>
+        </p:txBody>
+      </p:sp>
+    </p:spTree>
+    <p:extLst>
+      <p:ext uri="{BB962C8B-B14F-4D97-AF65-F5344CB8AC3E}">
+        <p14:creationId xmlns:p14="http://schemas.microsoft.com/office/powerpoint/2010/main" val="998543697"/>
+      </p:ext>
+    </p:extLst>
+  </p:cSld>
+  <p:clrMapOvr>
+    <a:masterClrMapping/>
+  </p:clrMapOvr>
+</p:sld>
+</file>
+
+<file path=ppt/slides/slide16.xml><?xml version="1.0" encoding="utf-8"?>
+<p:sld xmlns:a="http://schemas.openxmlformats.org/drawingml/2006/main" xmlns:r="http://schemas.openxmlformats.org/officeDocument/2006/relationships" xmlns:p="http://schemas.openxmlformats.org/presentationml/2006/main">
+  <p:cSld>
+    <p:spTree>
+      <p:nvGrpSpPr>
+        <p:cNvPr id="1" name=""/>
+        <p:cNvGrpSpPr/>
+        <p:nvPr/>
+      </p:nvGrpSpPr>
+      <p:grpSpPr>
+        <a:xfrm>
+          <a:off x="0" y="0"/>
+          <a:ext cx="0" cy="0"/>
+          <a:chOff x="0" y="0"/>
+          <a:chExt cx="0" cy="0"/>
+        </a:xfrm>
+      </p:grpSpPr>
+      <p:sp>
+        <p:nvSpPr>
+          <p:cNvPr id="2" name="Title 1">
+            <a:extLst>
+              <a:ext uri="{FF2B5EF4-FFF2-40B4-BE49-F238E27FC236}">
+                <a16:creationId xmlns:a16="http://schemas.microsoft.com/office/drawing/2014/main" id="{64D715EB-AB85-AFCC-6262-350E48475EC2}"/>
+              </a:ext>
+            </a:extLst>
+          </p:cNvPr>
+          <p:cNvSpPr>
+            <a:spLocks noGrp="1"/>
+          </p:cNvSpPr>
+          <p:nvPr>
+            <p:ph type="title"/>
+          </p:nvPr>
+        </p:nvSpPr>
+        <p:spPr/>
+        <p:txBody>
+          <a:bodyPr/>
+          <a:lstStyle/>
+          <a:p>
+            <a:r>
+              <a:rPr lang="en-US" dirty="0"/>
+              <a:t>Classification – Logistic Regression</a:t>
+            </a:r>
+          </a:p>
+        </p:txBody>
+      </p:sp>
+      <p:sp>
+        <p:nvSpPr>
+          <p:cNvPr id="3" name="Content Placeholder 2">
+            <a:extLst>
+              <a:ext uri="{FF2B5EF4-FFF2-40B4-BE49-F238E27FC236}">
+                <a16:creationId xmlns:a16="http://schemas.microsoft.com/office/drawing/2014/main" id="{949D4F14-49F6-1E62-A76E-8E6459F50CBE}"/>
+              </a:ext>
+            </a:extLst>
+          </p:cNvPr>
+          <p:cNvSpPr>
+            <a:spLocks noGrp="1"/>
+          </p:cNvSpPr>
+          <p:nvPr>
+            <p:ph idx="1"/>
+          </p:nvPr>
+        </p:nvSpPr>
+        <p:spPr/>
+        <p:txBody>
+          <a:bodyPr>
+            <a:normAutofit fontScale="62500" lnSpcReduction="20000"/>
+          </a:bodyPr>
+          <a:lstStyle/>
+          <a:p>
+            <a:r>
+              <a:rPr lang="en-US" dirty="0"/>
+              <a:t>--- Logistic Regression Classification Results ---</a:t>
+            </a:r>
+          </a:p>
+          <a:p>
+            <a:r>
+              <a:rPr lang="en-US" dirty="0"/>
+              <a:t>Best LR Parameters: {'C': 1.0, 'penalty': 'l2', 'solver': '</a:t>
+            </a:r>
+            <a:r>
+              <a:rPr lang="en-US" dirty="0" err="1"/>
+              <a:t>lbfgs</a:t>
+            </a:r>
+            <a:r>
+              <a:rPr lang="en-US" dirty="0"/>
+              <a:t>'}</a:t>
+            </a:r>
+          </a:p>
+          <a:p>
+            <a:r>
+              <a:rPr lang="en-US" dirty="0"/>
+              <a:t>Best CV Score (Accuracy): 0.6706</a:t>
+            </a:r>
+          </a:p>
+          <a:p>
+            <a:r>
+              <a:rPr lang="en-US" dirty="0"/>
+              <a:t>Test Set Accuracy: 0.6538</a:t>
+            </a:r>
+          </a:p>
+          <a:p>
+            <a:endParaRPr lang="en-US" dirty="0"/>
+          </a:p>
+          <a:p>
+            <a:r>
+              <a:rPr lang="en-US" dirty="0"/>
+              <a:t>Classification Report (Test Set):</a:t>
+            </a:r>
+          </a:p>
+          <a:p>
+            <a:r>
+              <a:rPr lang="en-US" dirty="0"/>
+              <a:t>               precision    recall  f1-score   support</a:t>
+            </a:r>
+          </a:p>
+          <a:p>
+            <a:endParaRPr lang="en-US" dirty="0"/>
+          </a:p>
+          <a:p>
+            <a:r>
+              <a:rPr lang="en-US" dirty="0"/>
+              <a:t>           0       0.65      0.66      0.65      8955</a:t>
+            </a:r>
+          </a:p>
+          <a:p>
+            <a:r>
+              <a:rPr lang="en-US" dirty="0"/>
+              <a:t>           1       0.66      0.65      0.65      9051</a:t>
+            </a:r>
+          </a:p>
+          <a:p>
+            <a:endParaRPr lang="en-US" dirty="0"/>
+          </a:p>
+          <a:p>
+            <a:r>
+              <a:rPr lang="en-US" dirty="0"/>
+              <a:t>    accuracy                           0.65     18006</a:t>
+            </a:r>
+          </a:p>
+          <a:p>
+            <a:r>
+              <a:rPr lang="en-US" dirty="0"/>
+              <a:t>   macro avg       0.65      0.65      0.65     18006</a:t>
+            </a:r>
+          </a:p>
+          <a:p>
+            <a:r>
+              <a:rPr lang="en-US" dirty="0"/>
+              <a:t>weighted avg       0.65      0.65      0.65     18006</a:t>
+            </a:r>
+          </a:p>
+        </p:txBody>
+      </p:sp>
+    </p:spTree>
+    <p:extLst>
+      <p:ext uri="{BB962C8B-B14F-4D97-AF65-F5344CB8AC3E}">
+        <p14:creationId xmlns:p14="http://schemas.microsoft.com/office/powerpoint/2010/main" val="1789607084"/>
+      </p:ext>
+    </p:extLst>
+  </p:cSld>
+  <p:clrMapOvr>
+    <a:masterClrMapping/>
+  </p:clrMapOvr>
+</p:sld>
+</file>
+
+<file path=ppt/slides/slide17.xml><?xml version="1.0" encoding="utf-8"?>
+<p:sld xmlns:a="http://schemas.openxmlformats.org/drawingml/2006/main" xmlns:r="http://schemas.openxmlformats.org/officeDocument/2006/relationships" xmlns:p="http://schemas.openxmlformats.org/presentationml/2006/main">
+  <p:cSld>
+    <p:spTree>
+      <p:nvGrpSpPr>
+        <p:cNvPr id="1" name=""/>
+        <p:cNvGrpSpPr/>
+        <p:nvPr/>
+      </p:nvGrpSpPr>
+      <p:grpSpPr>
+        <a:xfrm>
+          <a:off x="0" y="0"/>
+          <a:ext cx="0" cy="0"/>
+          <a:chOff x="0" y="0"/>
+          <a:chExt cx="0" cy="0"/>
+        </a:xfrm>
+      </p:grpSpPr>
+      <p:sp>
+        <p:nvSpPr>
+          <p:cNvPr id="2" name="Title 1">
+            <a:extLst>
+              <a:ext uri="{FF2B5EF4-FFF2-40B4-BE49-F238E27FC236}">
+                <a16:creationId xmlns:a16="http://schemas.microsoft.com/office/drawing/2014/main" id="{C78437F9-348C-7EE6-4DBD-52BD7175D93D}"/>
+              </a:ext>
+            </a:extLst>
+          </p:cNvPr>
+          <p:cNvSpPr>
+            <a:spLocks noGrp="1"/>
+          </p:cNvSpPr>
+          <p:nvPr>
+            <p:ph type="title"/>
+          </p:nvPr>
+        </p:nvSpPr>
+        <p:spPr/>
+        <p:txBody>
+          <a:bodyPr/>
+          <a:lstStyle/>
+          <a:p>
+            <a:r>
+              <a:rPr lang="en-US" dirty="0"/>
+              <a:t>Classification - Decision Tree</a:t>
+            </a:r>
+          </a:p>
+        </p:txBody>
+      </p:sp>
+      <p:sp>
+        <p:nvSpPr>
+          <p:cNvPr id="3" name="Content Placeholder 2">
+            <a:extLst>
+              <a:ext uri="{FF2B5EF4-FFF2-40B4-BE49-F238E27FC236}">
+                <a16:creationId xmlns:a16="http://schemas.microsoft.com/office/drawing/2014/main" id="{602C8C0F-40FA-37DD-6D4C-81D8E15777F2}"/>
+              </a:ext>
+            </a:extLst>
+          </p:cNvPr>
+          <p:cNvSpPr>
+            <a:spLocks noGrp="1"/>
+          </p:cNvSpPr>
+          <p:nvPr>
+            <p:ph idx="1"/>
+          </p:nvPr>
+        </p:nvSpPr>
+        <p:spPr/>
+        <p:txBody>
+          <a:bodyPr/>
+          <a:lstStyle/>
+          <a:p>
+            <a:endParaRPr lang="en-US"/>
+          </a:p>
+        </p:txBody>
+      </p:sp>
+    </p:spTree>
+    <p:extLst>
+      <p:ext uri="{BB962C8B-B14F-4D97-AF65-F5344CB8AC3E}">
+        <p14:creationId xmlns:p14="http://schemas.microsoft.com/office/powerpoint/2010/main" val="343162737"/>
+      </p:ext>
+    </p:extLst>
+  </p:cSld>
+  <p:clrMapOvr>
+    <a:masterClrMapping/>
+  </p:clrMapOvr>
+</p:sld>
+</file>
+
+<file path=ppt/slides/slide18.xml><?xml version="1.0" encoding="utf-8"?>
+<p:sld xmlns:a="http://schemas.openxmlformats.org/drawingml/2006/main" xmlns:r="http://schemas.openxmlformats.org/officeDocument/2006/relationships" xmlns:p="http://schemas.openxmlformats.org/presentationml/2006/main">
+  <p:cSld>
+    <p:spTree>
+      <p:nvGrpSpPr>
+        <p:cNvPr id="1" name=""/>
+        <p:cNvGrpSpPr/>
+        <p:nvPr/>
+      </p:nvGrpSpPr>
+      <p:grpSpPr>
+        <a:xfrm>
+          <a:off x="0" y="0"/>
+          <a:ext cx="0" cy="0"/>
+          <a:chOff x="0" y="0"/>
+          <a:chExt cx="0" cy="0"/>
+        </a:xfrm>
+      </p:grpSpPr>
+      <p:sp>
+        <p:nvSpPr>
+          <p:cNvPr id="2" name="Title 1">
+            <a:extLst>
+              <a:ext uri="{FF2B5EF4-FFF2-40B4-BE49-F238E27FC236}">
+                <a16:creationId xmlns:a16="http://schemas.microsoft.com/office/drawing/2014/main" id="{6FD26B02-35FF-7CF9-F53E-9A23B22DF790}"/>
+              </a:ext>
+            </a:extLst>
+          </p:cNvPr>
+          <p:cNvSpPr>
+            <a:spLocks noGrp="1"/>
+          </p:cNvSpPr>
+          <p:nvPr>
+            <p:ph type="title"/>
+          </p:nvPr>
+        </p:nvSpPr>
+        <p:spPr/>
+        <p:txBody>
+          <a:bodyPr/>
+          <a:lstStyle/>
+          <a:p>
+            <a:r>
+              <a:rPr lang="en-US" dirty="0"/>
+              <a:t>Classification – Random Forest</a:t>
+            </a:r>
+          </a:p>
+        </p:txBody>
+      </p:sp>
+      <p:sp>
+        <p:nvSpPr>
+          <p:cNvPr id="3" name="Content Placeholder 2">
+            <a:extLst>
+              <a:ext uri="{FF2B5EF4-FFF2-40B4-BE49-F238E27FC236}">
+                <a16:creationId xmlns:a16="http://schemas.microsoft.com/office/drawing/2014/main" id="{262ECE06-B25A-64D8-AA75-E0ACE8AA775F}"/>
+              </a:ext>
+            </a:extLst>
+          </p:cNvPr>
+          <p:cNvSpPr>
+            <a:spLocks noGrp="1"/>
+          </p:cNvSpPr>
+          <p:nvPr>
+            <p:ph idx="1"/>
+          </p:nvPr>
+        </p:nvSpPr>
+        <p:spPr/>
+        <p:txBody>
+          <a:bodyPr>
+            <a:normAutofit fontScale="62500" lnSpcReduction="20000"/>
+          </a:bodyPr>
+          <a:lstStyle/>
+          <a:p>
+            <a:r>
+              <a:rPr lang="en-US" dirty="0"/>
+              <a:t>--- Random Forest Classification Results (Bagging) ---</a:t>
+            </a:r>
+          </a:p>
+          <a:p>
+            <a:r>
+              <a:rPr lang="en-US" dirty="0"/>
+              <a:t>Best RF Parameters: {'</a:t>
+            </a:r>
+            <a:r>
+              <a:rPr lang="en-US" dirty="0" err="1"/>
+              <a:t>max_depth</a:t>
+            </a:r>
+            <a:r>
+              <a:rPr lang="en-US" dirty="0"/>
+              <a:t>': 10, '</a:t>
+            </a:r>
+            <a:r>
+              <a:rPr lang="en-US" dirty="0" err="1"/>
+              <a:t>max_features</a:t>
+            </a:r>
+            <a:r>
+              <a:rPr lang="en-US" dirty="0"/>
+              <a:t>': 'sqrt', '</a:t>
+            </a:r>
+            <a:r>
+              <a:rPr lang="en-US" dirty="0" err="1"/>
+              <a:t>min_samples_split</a:t>
+            </a:r>
+            <a:r>
+              <a:rPr lang="en-US" dirty="0"/>
+              <a:t>': 10, '</a:t>
+            </a:r>
+            <a:r>
+              <a:rPr lang="en-US" dirty="0" err="1"/>
+              <a:t>n_estimators</a:t>
+            </a:r>
+            <a:r>
+              <a:rPr lang="en-US" dirty="0"/>
+              <a:t>': 300}</a:t>
+            </a:r>
+          </a:p>
+          <a:p>
+            <a:r>
+              <a:rPr lang="en-US" dirty="0"/>
+              <a:t>Best CV Score (Accuracy): 0.6717</a:t>
+            </a:r>
+          </a:p>
+          <a:p>
+            <a:r>
+              <a:rPr lang="en-US" dirty="0"/>
+              <a:t>Test Set Accuracy: 0.6506</a:t>
+            </a:r>
+          </a:p>
+          <a:p>
+            <a:endParaRPr lang="en-US" dirty="0"/>
+          </a:p>
+          <a:p>
+            <a:r>
+              <a:rPr lang="en-US" dirty="0"/>
+              <a:t>Classification Report (Test Set):</a:t>
+            </a:r>
+          </a:p>
+          <a:p>
+            <a:r>
+              <a:rPr lang="en-US" dirty="0"/>
+              <a:t>               precision    recall  f1-score   support</a:t>
+            </a:r>
+          </a:p>
+          <a:p>
+            <a:endParaRPr lang="en-US" dirty="0"/>
+          </a:p>
+          <a:p>
+            <a:r>
+              <a:rPr lang="en-US" dirty="0"/>
+              <a:t>           0       0.65      0.65      0.65      8955</a:t>
+            </a:r>
+          </a:p>
+          <a:p>
+            <a:r>
+              <a:rPr lang="en-US" dirty="0"/>
+              <a:t>           1       0.65      0.65      0.65      9051</a:t>
+            </a:r>
+          </a:p>
+          <a:p>
+            <a:endParaRPr lang="en-US" dirty="0"/>
+          </a:p>
+          <a:p>
+            <a:r>
+              <a:rPr lang="en-US" dirty="0"/>
+              <a:t>    accuracy                           0.65     18006</a:t>
+            </a:r>
+          </a:p>
+          <a:p>
+            <a:r>
+              <a:rPr lang="en-US" dirty="0"/>
+              <a:t>   macro avg       0.65      0.65      0.65     18006</a:t>
+            </a:r>
+          </a:p>
+          <a:p>
+            <a:r>
+              <a:rPr lang="en-US" dirty="0"/>
+              <a:t>weighted avg       0.65      0.65      0.65     18006</a:t>
+            </a:r>
+          </a:p>
+        </p:txBody>
+      </p:sp>
+    </p:spTree>
+    <p:extLst>
+      <p:ext uri="{BB962C8B-B14F-4D97-AF65-F5344CB8AC3E}">
+        <p14:creationId xmlns:p14="http://schemas.microsoft.com/office/powerpoint/2010/main" val="517142815"/>
+      </p:ext>
+    </p:extLst>
+  </p:cSld>
+  <p:clrMapOvr>
+    <a:masterClrMapping/>
+  </p:clrMapOvr>
+</p:sld>
+</file>
+
+<file path=ppt/slides/slide19.xml><?xml version="1.0" encoding="utf-8"?>
+<p:sld xmlns:a="http://schemas.openxmlformats.org/drawingml/2006/main" xmlns:r="http://schemas.openxmlformats.org/officeDocument/2006/relationships" xmlns:p="http://schemas.openxmlformats.org/presentationml/2006/main">
+  <p:cSld>
+    <p:spTree>
+      <p:nvGrpSpPr>
+        <p:cNvPr id="1" name=""/>
+        <p:cNvGrpSpPr/>
+        <p:nvPr/>
+      </p:nvGrpSpPr>
+      <p:grpSpPr>
+        <a:xfrm>
+          <a:off x="0" y="0"/>
+          <a:ext cx="0" cy="0"/>
+          <a:chOff x="0" y="0"/>
+          <a:chExt cx="0" cy="0"/>
+        </a:xfrm>
+      </p:grpSpPr>
+      <p:sp>
+        <p:nvSpPr>
+          <p:cNvPr id="2" name="Title 1">
+            <a:extLst>
+              <a:ext uri="{FF2B5EF4-FFF2-40B4-BE49-F238E27FC236}">
+                <a16:creationId xmlns:a16="http://schemas.microsoft.com/office/drawing/2014/main" id="{A1A21F2E-26C6-4143-6A0A-D9589BA91298}"/>
+              </a:ext>
+            </a:extLst>
+          </p:cNvPr>
+          <p:cNvSpPr>
+            <a:spLocks noGrp="1"/>
+          </p:cNvSpPr>
+          <p:nvPr>
+            <p:ph type="title"/>
+          </p:nvPr>
+        </p:nvSpPr>
+        <p:spPr/>
+        <p:txBody>
+          <a:bodyPr/>
+          <a:lstStyle/>
+          <a:p>
+            <a:r>
+              <a:rPr lang="en-US" dirty="0"/>
+              <a:t>Clustering</a:t>
+            </a:r>
+          </a:p>
+        </p:txBody>
+      </p:sp>
+      <p:sp>
+        <p:nvSpPr>
+          <p:cNvPr id="3" name="Content Placeholder 2">
+            <a:extLst>
+              <a:ext uri="{FF2B5EF4-FFF2-40B4-BE49-F238E27FC236}">
+                <a16:creationId xmlns:a16="http://schemas.microsoft.com/office/drawing/2014/main" id="{1538C7FF-3DE8-2654-3267-188495E4AAB1}"/>
+              </a:ext>
+            </a:extLst>
+          </p:cNvPr>
+          <p:cNvSpPr>
+            <a:spLocks noGrp="1"/>
+          </p:cNvSpPr>
+          <p:nvPr>
+            <p:ph idx="1"/>
+          </p:nvPr>
+        </p:nvSpPr>
+        <p:spPr/>
+        <p:txBody>
+          <a:bodyPr/>
+          <a:lstStyle/>
+          <a:p>
+            <a:endParaRPr lang="en-US"/>
+          </a:p>
+        </p:txBody>
+      </p:sp>
+    </p:spTree>
+    <p:extLst>
+      <p:ext uri="{BB962C8B-B14F-4D97-AF65-F5344CB8AC3E}">
+        <p14:creationId xmlns:p14="http://schemas.microsoft.com/office/powerpoint/2010/main" val="519261047"/>
+      </p:ext>
+    </p:extLst>
+  </p:cSld>
+  <p:clrMapOvr>
+    <a:masterClrMapping/>
+  </p:clrMapOvr>
+</p:sld>
+</file>
+
 <file path=ppt/slides/slide2.xml><?xml version="1.0" encoding="utf-8"?>
 <p:sld xmlns:a="http://schemas.openxmlformats.org/drawingml/2006/main" xmlns:r="http://schemas.openxmlformats.org/officeDocument/2006/relationships" xmlns:p="http://schemas.openxmlformats.org/presentationml/2006/main">
   <p:cSld>
@@ -6992,7 +8428,7 @@
           <a:p>
             <a:r>
               <a:rPr lang="en-US" dirty="0"/>
-              <a:t>Data on 25 years of ATP matches</a:t>
+              <a:t>Data on 30 years of ATP Tennis matches</a:t>
             </a:r>
           </a:p>
           <a:p>
@@ -7090,7 +8526,7 @@
           <a:p>
             <a:r>
               <a:rPr lang="en-US" dirty="0"/>
-              <a:t>50,000+ Observations</a:t>
+              <a:t>90,000+ Observations</a:t>
             </a:r>
           </a:p>
           <a:p>
@@ -7208,7 +8644,32 @@
           <a:p>
             <a:r>
               <a:rPr lang="en-US" dirty="0"/>
-              <a:t>Missing values replaced with N/A, Mean, Max or Mode</a:t>
+              <a:t>Missing values replaced with Median, Max or Mode</a:t>
+            </a:r>
+          </a:p>
+          <a:p>
+            <a:r>
+              <a:rPr lang="en-US" dirty="0"/>
+              <a:t>Significant aggregation and rolling averages for statistics</a:t>
+            </a:r>
+          </a:p>
+          <a:p>
+            <a:r>
+              <a:rPr lang="en-US" dirty="0"/>
+              <a:t>Data transformed to randomize Player A and Player B in a match</a:t>
+            </a:r>
+          </a:p>
+          <a:p>
+            <a:pPr lvl="1"/>
+            <a:r>
+              <a:rPr lang="en-US" dirty="0"/>
+              <a:t>Perfectly balanced data</a:t>
+            </a:r>
+          </a:p>
+          <a:p>
+            <a:r>
+              <a:rPr lang="en-US" dirty="0"/>
+              <a:t>Data is chronological, order of matches is important (prevent leakage)</a:t>
             </a:r>
           </a:p>
           <a:p>
@@ -7297,7 +8758,7 @@
           <a:p>
             <a:r>
               <a:rPr lang="en-US" dirty="0"/>
-              <a:t>Target variable </a:t>
+              <a:t>Classification</a:t>
             </a:r>
             <a:r>
               <a:rPr lang="en-US" dirty="0">
@@ -7311,7 +8772,7 @@
               <a:rPr lang="en-US" dirty="0">
                 <a:sym typeface="Wingdings" panose="05000000000000000000" pitchFamily="2" charset="2"/>
               </a:rPr>
-              <a:t>Target variable  Games difference</a:t>
+              <a:t>Regression Games difference</a:t>
             </a:r>
           </a:p>
           <a:p>
@@ -7319,7 +8780,7 @@
               <a:rPr lang="en-US" dirty="0">
                 <a:sym typeface="Wingdings" panose="05000000000000000000" pitchFamily="2" charset="2"/>
               </a:rPr>
-              <a:t>Target variable  Play style</a:t>
+              <a:t>Clustering Match type</a:t>
             </a:r>
             <a:endParaRPr lang="en-US" dirty="0"/>
           </a:p>
@@ -7406,28 +8867,53 @@
           <a:p>
             <a:r>
               <a:rPr lang="en-US" dirty="0"/>
-              <a:t>Past five match performance</a:t>
-            </a:r>
-          </a:p>
-          <a:p>
-            <a:pPr lvl="1"/>
-            <a:r>
-              <a:rPr lang="en-US" dirty="0"/>
-              <a:t>Aggregated data of win-loss percentage for past five matches</a:t>
-            </a:r>
-          </a:p>
-          <a:p>
-            <a:r>
-              <a:rPr lang="en-US" dirty="0"/>
-              <a:t>Head-to-head performance</a:t>
-            </a:r>
-          </a:p>
-          <a:p>
-            <a:pPr lvl="1"/>
-            <a:r>
-              <a:rPr lang="en-US" dirty="0"/>
-              <a:t>Aggregated data of historical performance versus opponent</a:t>
-            </a:r>
+              <a:t>Elo</a:t>
+            </a:r>
+          </a:p>
+          <a:p>
+            <a:r>
+              <a:rPr lang="en-US" dirty="0"/>
+              <a:t>Fatigue</a:t>
+            </a:r>
+          </a:p>
+          <a:p>
+            <a:r>
+              <a:rPr lang="en-US" dirty="0"/>
+              <a:t>Age</a:t>
+            </a:r>
+          </a:p>
+          <a:p>
+            <a:r>
+              <a:rPr lang="en-US" dirty="0"/>
+              <a:t>Height</a:t>
+            </a:r>
+          </a:p>
+          <a:p>
+            <a:r>
+              <a:rPr lang="en-US" dirty="0"/>
+              <a:t>Serve</a:t>
+            </a:r>
+          </a:p>
+          <a:p>
+            <a:r>
+              <a:rPr lang="en-US" dirty="0"/>
+              <a:t>Return</a:t>
+            </a:r>
+          </a:p>
+          <a:p>
+            <a:r>
+              <a:rPr lang="en-US" dirty="0"/>
+              <a:t>Form</a:t>
+            </a:r>
+          </a:p>
+          <a:p>
+            <a:r>
+              <a:rPr lang="en-US" dirty="0"/>
+              <a:t>Match Length</a:t>
+            </a:r>
+          </a:p>
+          <a:p>
+            <a:endParaRPr lang="en-US" dirty="0"/>
           </a:p>
         </p:txBody>
       </p:sp>
@@ -7466,7 +8952,7 @@
           <p:cNvPr id="2" name="Title 1">
             <a:extLst>
               <a:ext uri="{FF2B5EF4-FFF2-40B4-BE49-F238E27FC236}">
-                <a16:creationId xmlns:a16="http://schemas.microsoft.com/office/drawing/2014/main" id="{2FFC73A1-41A2-30E1-E8A0-712B70808483}"/>
+                <a16:creationId xmlns:a16="http://schemas.microsoft.com/office/drawing/2014/main" id="{3BE8F271-C02E-EA3E-550D-4C33E0D7C4E4}"/>
               </a:ext>
             </a:extLst>
           </p:cNvPr>
@@ -7484,1624 +8970,50 @@
           <a:p>
             <a:r>
               <a:rPr lang="en-US" dirty="0"/>
-              <a:t>Covariance Matrix</a:t>
-            </a:r>
-          </a:p>
-        </p:txBody>
-      </p:sp>
-      <p:graphicFrame>
-        <p:nvGraphicFramePr>
-          <p:cNvPr id="4" name="Content Placeholder 3">
+              <a:t>Pearson Correlation Heatmap</a:t>
+            </a:r>
+          </a:p>
+        </p:txBody>
+      </p:sp>
+      <p:pic>
+        <p:nvPicPr>
+          <p:cNvPr id="5" name="Content Placeholder 4" descr="A screenshot of a graph&#10;&#10;AI-generated content may be incorrect.">
             <a:extLst>
               <a:ext uri="{FF2B5EF4-FFF2-40B4-BE49-F238E27FC236}">
-                <a16:creationId xmlns:a16="http://schemas.microsoft.com/office/drawing/2014/main" id="{B71EEAE2-786A-8642-1AA5-DFF97A2EBDC4}"/>
+                <a16:creationId xmlns:a16="http://schemas.microsoft.com/office/drawing/2014/main" id="{FB72B78B-B4FE-D363-A2B8-04CCED7F6BC3}"/>
               </a:ext>
             </a:extLst>
           </p:cNvPr>
-          <p:cNvGraphicFramePr>
-            <a:graphicFrameLocks noGrp="1"/>
-          </p:cNvGraphicFramePr>
+          <p:cNvPicPr>
+            <a:picLocks noGrp="1" noChangeAspect="1"/>
+          </p:cNvPicPr>
           <p:nvPr>
             <p:ph idx="1"/>
-            <p:extLst>
-              <p:ext uri="{D42A27DB-BD31-4B8C-83A1-F6EECF244321}">
-                <p14:modId xmlns:p14="http://schemas.microsoft.com/office/powerpoint/2010/main" val="1482557217"/>
-              </p:ext>
-            </p:extLst>
-          </p:nvPr>
-        </p:nvGraphicFramePr>
-        <p:xfrm>
-          <a:off x="262467" y="1422400"/>
-          <a:ext cx="9779000" cy="4902201"/>
-        </p:xfrm>
-        <a:graphic>
-          <a:graphicData uri="http://schemas.openxmlformats.org/drawingml/2006/table">
-            <a:tbl>
-              <a:tblPr/>
-              <a:tblGrid>
-                <a:gridCol w="1397000">
-                  <a:extLst>
-                    <a:ext uri="{9D8B030D-6E8A-4147-A177-3AD203B41FA5}">
-                      <a16:colId xmlns:a16="http://schemas.microsoft.com/office/drawing/2014/main" val="3396172111"/>
-                    </a:ext>
-                  </a:extLst>
-                </a:gridCol>
-                <a:gridCol w="1397000">
-                  <a:extLst>
-                    <a:ext uri="{9D8B030D-6E8A-4147-A177-3AD203B41FA5}">
-                      <a16:colId xmlns:a16="http://schemas.microsoft.com/office/drawing/2014/main" val="1778630699"/>
-                    </a:ext>
-                  </a:extLst>
-                </a:gridCol>
-                <a:gridCol w="1397000">
-                  <a:extLst>
-                    <a:ext uri="{9D8B030D-6E8A-4147-A177-3AD203B41FA5}">
-                      <a16:colId xmlns:a16="http://schemas.microsoft.com/office/drawing/2014/main" val="281645241"/>
-                    </a:ext>
-                  </a:extLst>
-                </a:gridCol>
-                <a:gridCol w="1397000">
-                  <a:extLst>
-                    <a:ext uri="{9D8B030D-6E8A-4147-A177-3AD203B41FA5}">
-                      <a16:colId xmlns:a16="http://schemas.microsoft.com/office/drawing/2014/main" val="3072812681"/>
-                    </a:ext>
-                  </a:extLst>
-                </a:gridCol>
-                <a:gridCol w="1397000">
-                  <a:extLst>
-                    <a:ext uri="{9D8B030D-6E8A-4147-A177-3AD203B41FA5}">
-                      <a16:colId xmlns:a16="http://schemas.microsoft.com/office/drawing/2014/main" val="1007274863"/>
-                    </a:ext>
-                  </a:extLst>
-                </a:gridCol>
-                <a:gridCol w="1397000">
-                  <a:extLst>
-                    <a:ext uri="{9D8B030D-6E8A-4147-A177-3AD203B41FA5}">
-                      <a16:colId xmlns:a16="http://schemas.microsoft.com/office/drawing/2014/main" val="4282164426"/>
-                    </a:ext>
-                  </a:extLst>
-                </a:gridCol>
-                <a:gridCol w="1397000">
-                  <a:extLst>
-                    <a:ext uri="{9D8B030D-6E8A-4147-A177-3AD203B41FA5}">
-                      <a16:colId xmlns:a16="http://schemas.microsoft.com/office/drawing/2014/main" val="1780636912"/>
-                    </a:ext>
-                  </a:extLst>
-                </a:gridCol>
-              </a:tblGrid>
-              <a:tr h="1066975">
-                <a:tc>
-                  <a:txBody>
-                    <a:bodyPr/>
-                    <a:lstStyle/>
-                    <a:p>
-                      <a:pPr algn="r">
-                        <a:buNone/>
-                      </a:pPr>
-                      <a:r>
-                        <a:rPr lang="en-US" sz="1700"/>
-                        <a:t>Feature i \ Feature j</a:t>
-                      </a:r>
-                    </a:p>
-                  </a:txBody>
-                  <a:tcPr marL="84379" marR="84379" marT="42190" marB="42190" anchor="ctr">
-                    <a:lnL>
-                      <a:noFill/>
-                    </a:lnL>
-                    <a:lnR>
-                      <a:noFill/>
-                    </a:lnR>
-                    <a:lnT>
-                      <a:noFill/>
-                    </a:lnT>
-                    <a:lnB>
-                      <a:noFill/>
-                    </a:lnB>
-                    <a:noFill/>
-                  </a:tcPr>
-                </a:tc>
-                <a:tc>
-                  <a:txBody>
-                    <a:bodyPr/>
-                    <a:lstStyle/>
-                    <a:p>
-                      <a:pPr algn="r">
-                        <a:buNone/>
-                      </a:pPr>
-                      <a:r>
-                        <a:rPr lang="en-US" sz="1700"/>
-                        <a:t>rank_diff</a:t>
-                      </a:r>
-                    </a:p>
-                  </a:txBody>
-                  <a:tcPr marL="84379" marR="84379" marT="42190" marB="42190" anchor="ctr">
-                    <a:lnL>
-                      <a:noFill/>
-                    </a:lnL>
-                    <a:lnR>
-                      <a:noFill/>
-                    </a:lnR>
-                    <a:lnT>
-                      <a:noFill/>
-                    </a:lnT>
-                    <a:lnB>
-                      <a:noFill/>
-                    </a:lnB>
-                    <a:noFill/>
-                  </a:tcPr>
-                </a:tc>
-                <a:tc>
-                  <a:txBody>
-                    <a:bodyPr/>
-                    <a:lstStyle/>
-                    <a:p>
-                      <a:pPr algn="r">
-                        <a:buNone/>
-                      </a:pPr>
-                      <a:r>
-                        <a:rPr lang="en-US" sz="1700"/>
-                        <a:t>height_diff</a:t>
-                      </a:r>
-                    </a:p>
-                  </a:txBody>
-                  <a:tcPr marL="84379" marR="84379" marT="42190" marB="42190" anchor="ctr">
-                    <a:lnL>
-                      <a:noFill/>
-                    </a:lnL>
-                    <a:lnR>
-                      <a:noFill/>
-                    </a:lnR>
-                    <a:lnT>
-                      <a:noFill/>
-                    </a:lnT>
-                    <a:lnB>
-                      <a:noFill/>
-                    </a:lnB>
-                    <a:noFill/>
-                  </a:tcPr>
-                </a:tc>
-                <a:tc>
-                  <a:txBody>
-                    <a:bodyPr/>
-                    <a:lstStyle/>
-                    <a:p>
-                      <a:pPr algn="r">
-                        <a:buNone/>
-                      </a:pPr>
-                      <a:r>
-                        <a:rPr lang="en-US" sz="1700"/>
-                        <a:t>age_diff</a:t>
-                      </a:r>
-                    </a:p>
-                  </a:txBody>
-                  <a:tcPr marL="84379" marR="84379" marT="42190" marB="42190" anchor="ctr">
-                    <a:lnL>
-                      <a:noFill/>
-                    </a:lnL>
-                    <a:lnR>
-                      <a:noFill/>
-                    </a:lnR>
-                    <a:lnT>
-                      <a:noFill/>
-                    </a:lnT>
-                    <a:lnB>
-                      <a:noFill/>
-                    </a:lnB>
-                    <a:noFill/>
-                  </a:tcPr>
-                </a:tc>
-                <a:tc>
-                  <a:txBody>
-                    <a:bodyPr/>
-                    <a:lstStyle/>
-                    <a:p>
-                      <a:pPr algn="r">
-                        <a:buNone/>
-                      </a:pPr>
-                      <a:r>
-                        <a:rPr lang="en-US" sz="1700"/>
-                        <a:t>p1_h2h_win</a:t>
-                      </a:r>
-                    </a:p>
-                  </a:txBody>
-                  <a:tcPr marL="84379" marR="84379" marT="42190" marB="42190" anchor="ctr">
-                    <a:lnL>
-                      <a:noFill/>
-                    </a:lnL>
-                    <a:lnR>
-                      <a:noFill/>
-                    </a:lnR>
-                    <a:lnT>
-                      <a:noFill/>
-                    </a:lnT>
-                    <a:lnB>
-                      <a:noFill/>
-                    </a:lnB>
-                    <a:noFill/>
-                  </a:tcPr>
-                </a:tc>
-                <a:tc>
-                  <a:txBody>
-                    <a:bodyPr/>
-                    <a:lstStyle/>
-                    <a:p>
-                      <a:pPr algn="r">
-                        <a:buNone/>
-                      </a:pPr>
-                      <a:r>
-                        <a:rPr lang="en-US" sz="1700"/>
-                        <a:t>p1_recent</a:t>
-                      </a:r>
-                    </a:p>
-                  </a:txBody>
-                  <a:tcPr marL="84379" marR="84379" marT="42190" marB="42190" anchor="ctr">
-                    <a:lnL>
-                      <a:noFill/>
-                    </a:lnL>
-                    <a:lnR>
-                      <a:noFill/>
-                    </a:lnR>
-                    <a:lnT>
-                      <a:noFill/>
-                    </a:lnT>
-                    <a:lnB>
-                      <a:noFill/>
-                    </a:lnB>
-                    <a:noFill/>
-                  </a:tcPr>
-                </a:tc>
-                <a:tc>
-                  <a:txBody>
-                    <a:bodyPr/>
-                    <a:lstStyle/>
-                    <a:p>
-                      <a:pPr algn="r">
-                        <a:buNone/>
-                      </a:pPr>
-                      <a:r>
-                        <a:rPr lang="en-US" sz="1700"/>
-                        <a:t>p2_recent</a:t>
-                      </a:r>
-                    </a:p>
-                  </a:txBody>
-                  <a:tcPr marL="84379" marR="84379" marT="42190" marB="42190" anchor="ctr">
-                    <a:lnL>
-                      <a:noFill/>
-                    </a:lnL>
-                    <a:lnR>
-                      <a:noFill/>
-                    </a:lnR>
-                    <a:lnT>
-                      <a:noFill/>
-                    </a:lnT>
-                    <a:lnB>
-                      <a:noFill/>
-                    </a:lnB>
-                    <a:noFill/>
-                  </a:tcPr>
-                </a:tc>
-                <a:extLst>
-                  <a:ext uri="{0D108BD9-81ED-4DB2-BD59-A6C34878D82A}">
-                    <a16:rowId xmlns:a16="http://schemas.microsoft.com/office/drawing/2014/main" val="3269778088"/>
-                  </a:ext>
-                </a:extLst>
-              </a:tr>
-              <a:tr h="425319">
-                <a:tc>
-                  <a:txBody>
-                    <a:bodyPr/>
-                    <a:lstStyle/>
-                    <a:p>
-                      <a:pPr algn="r">
-                        <a:buNone/>
-                      </a:pPr>
-                      <a:r>
-                        <a:rPr lang="en-US" sz="1700" b="1"/>
-                        <a:t>rank_diff</a:t>
-                      </a:r>
-                      <a:endParaRPr lang="en-US" sz="1700"/>
-                    </a:p>
-                  </a:txBody>
-                  <a:tcPr marL="84379" marR="84379" marT="42190" marB="42190" anchor="ctr">
-                    <a:lnL>
-                      <a:noFill/>
-                    </a:lnL>
-                    <a:lnR>
-                      <a:noFill/>
-                    </a:lnR>
-                    <a:lnT>
-                      <a:noFill/>
-                    </a:lnT>
-                    <a:lnB>
-                      <a:noFill/>
-                    </a:lnB>
-                    <a:noFill/>
-                  </a:tcPr>
-                </a:tc>
-                <a:tc>
-                  <a:txBody>
-                    <a:bodyPr/>
-                    <a:lstStyle/>
-                    <a:p>
-                      <a:pPr algn="r">
-                        <a:buNone/>
-                      </a:pPr>
-                      <a:r>
-                        <a:rPr lang="en-US" sz="1700"/>
-                        <a:t>1.000</a:t>
-                      </a:r>
-                    </a:p>
-                  </a:txBody>
-                  <a:tcPr marL="84379" marR="84379" marT="42190" marB="42190" anchor="ctr">
-                    <a:lnL>
-                      <a:noFill/>
-                    </a:lnL>
-                    <a:lnR>
-                      <a:noFill/>
-                    </a:lnR>
-                    <a:lnT>
-                      <a:noFill/>
-                    </a:lnT>
-                    <a:lnB>
-                      <a:noFill/>
-                    </a:lnB>
-                    <a:noFill/>
-                  </a:tcPr>
-                </a:tc>
-                <a:tc>
-                  <a:txBody>
-                    <a:bodyPr/>
-                    <a:lstStyle/>
-                    <a:p>
-                      <a:pPr algn="r">
-                        <a:buNone/>
-                      </a:pPr>
-                      <a:r>
-                        <a:rPr lang="en-US" sz="1700"/>
-                        <a:t>0.0028</a:t>
-                      </a:r>
-                    </a:p>
-                  </a:txBody>
-                  <a:tcPr marL="84379" marR="84379" marT="42190" marB="42190" anchor="ctr">
-                    <a:lnL>
-                      <a:noFill/>
-                    </a:lnL>
-                    <a:lnR>
-                      <a:noFill/>
-                    </a:lnR>
-                    <a:lnT>
-                      <a:noFill/>
-                    </a:lnT>
-                    <a:lnB>
-                      <a:noFill/>
-                    </a:lnB>
-                    <a:noFill/>
-                  </a:tcPr>
-                </a:tc>
-                <a:tc>
-                  <a:txBody>
-                    <a:bodyPr/>
-                    <a:lstStyle/>
-                    <a:p>
-                      <a:pPr algn="r">
-                        <a:buNone/>
-                      </a:pPr>
-                      <a:r>
-                        <a:rPr lang="en-US" sz="1700"/>
-                        <a:t>-0.0586</a:t>
-                      </a:r>
-                    </a:p>
-                  </a:txBody>
-                  <a:tcPr marL="84379" marR="84379" marT="42190" marB="42190" anchor="ctr">
-                    <a:lnL>
-                      <a:noFill/>
-                    </a:lnL>
-                    <a:lnR>
-                      <a:noFill/>
-                    </a:lnR>
-                    <a:lnT>
-                      <a:noFill/>
-                    </a:lnT>
-                    <a:lnB>
-                      <a:noFill/>
-                    </a:lnB>
-                    <a:noFill/>
-                  </a:tcPr>
-                </a:tc>
-                <a:tc>
-                  <a:txBody>
-                    <a:bodyPr/>
-                    <a:lstStyle/>
-                    <a:p>
-                      <a:pPr algn="r">
-                        <a:buNone/>
-                      </a:pPr>
-                      <a:r>
-                        <a:rPr lang="en-US" sz="1700"/>
-                        <a:t>-0.0146</a:t>
-                      </a:r>
-                    </a:p>
-                  </a:txBody>
-                  <a:tcPr marL="84379" marR="84379" marT="42190" marB="42190" anchor="ctr">
-                    <a:lnL>
-                      <a:noFill/>
-                    </a:lnL>
-                    <a:lnR>
-                      <a:noFill/>
-                    </a:lnR>
-                    <a:lnT>
-                      <a:noFill/>
-                    </a:lnT>
-                    <a:lnB>
-                      <a:noFill/>
-                    </a:lnB>
-                    <a:noFill/>
-                  </a:tcPr>
-                </a:tc>
-                <a:tc>
-                  <a:txBody>
-                    <a:bodyPr/>
-                    <a:lstStyle/>
-                    <a:p>
-                      <a:pPr algn="r">
-                        <a:buNone/>
-                      </a:pPr>
-                      <a:r>
-                        <a:rPr lang="en-US" sz="1700"/>
-                        <a:t>0.0133</a:t>
-                      </a:r>
-                    </a:p>
-                  </a:txBody>
-                  <a:tcPr marL="84379" marR="84379" marT="42190" marB="42190" anchor="ctr">
-                    <a:lnL>
-                      <a:noFill/>
-                    </a:lnL>
-                    <a:lnR>
-                      <a:noFill/>
-                    </a:lnR>
-                    <a:lnT>
-                      <a:noFill/>
-                    </a:lnT>
-                    <a:lnB>
-                      <a:noFill/>
-                    </a:lnB>
-                    <a:noFill/>
-                  </a:tcPr>
-                </a:tc>
-                <a:tc>
-                  <a:txBody>
-                    <a:bodyPr/>
-                    <a:lstStyle/>
-                    <a:p>
-                      <a:pPr algn="r">
-                        <a:buNone/>
-                      </a:pPr>
-                      <a:r>
-                        <a:rPr lang="en-US" sz="1700"/>
-                        <a:t>0.0919</a:t>
-                      </a:r>
-                    </a:p>
-                  </a:txBody>
-                  <a:tcPr marL="84379" marR="84379" marT="42190" marB="42190" anchor="ctr">
-                    <a:lnL>
-                      <a:noFill/>
-                    </a:lnL>
-                    <a:lnR>
-                      <a:noFill/>
-                    </a:lnR>
-                    <a:lnT>
-                      <a:noFill/>
-                    </a:lnT>
-                    <a:lnB>
-                      <a:noFill/>
-                    </a:lnB>
-                    <a:noFill/>
-                  </a:tcPr>
-                </a:tc>
-                <a:extLst>
-                  <a:ext uri="{0D108BD9-81ED-4DB2-BD59-A6C34878D82A}">
-                    <a16:rowId xmlns:a16="http://schemas.microsoft.com/office/drawing/2014/main" val="3715038785"/>
-                  </a:ext>
-                </a:extLst>
-              </a:tr>
-              <a:tr h="746147">
-                <a:tc>
-                  <a:txBody>
-                    <a:bodyPr/>
-                    <a:lstStyle/>
-                    <a:p>
-                      <a:pPr algn="r">
-                        <a:buNone/>
-                      </a:pPr>
-                      <a:r>
-                        <a:rPr lang="en-US" sz="1700" b="1"/>
-                        <a:t>height_diff</a:t>
-                      </a:r>
-                      <a:endParaRPr lang="en-US" sz="1700"/>
-                    </a:p>
-                  </a:txBody>
-                  <a:tcPr marL="84379" marR="84379" marT="42190" marB="42190" anchor="ctr">
-                    <a:lnL>
-                      <a:noFill/>
-                    </a:lnL>
-                    <a:lnR>
-                      <a:noFill/>
-                    </a:lnR>
-                    <a:lnT>
-                      <a:noFill/>
-                    </a:lnT>
-                    <a:lnB>
-                      <a:noFill/>
-                    </a:lnB>
-                    <a:noFill/>
-                  </a:tcPr>
-                </a:tc>
-                <a:tc>
-                  <a:txBody>
-                    <a:bodyPr/>
-                    <a:lstStyle/>
-                    <a:p>
-                      <a:pPr algn="r">
-                        <a:buNone/>
-                      </a:pPr>
-                      <a:r>
-                        <a:rPr lang="en-US" sz="1700"/>
-                        <a:t>0.0028</a:t>
-                      </a:r>
-                    </a:p>
-                  </a:txBody>
-                  <a:tcPr marL="84379" marR="84379" marT="42190" marB="42190" anchor="ctr">
-                    <a:lnL>
-                      <a:noFill/>
-                    </a:lnL>
-                    <a:lnR>
-                      <a:noFill/>
-                    </a:lnR>
-                    <a:lnT>
-                      <a:noFill/>
-                    </a:lnT>
-                    <a:lnB>
-                      <a:noFill/>
-                    </a:lnB>
-                    <a:noFill/>
-                  </a:tcPr>
-                </a:tc>
-                <a:tc>
-                  <a:txBody>
-                    <a:bodyPr/>
-                    <a:lstStyle/>
-                    <a:p>
-                      <a:pPr algn="r">
-                        <a:buNone/>
-                      </a:pPr>
-                      <a:r>
-                        <a:rPr lang="en-US" sz="1700"/>
-                        <a:t>1.000</a:t>
-                      </a:r>
-                    </a:p>
-                  </a:txBody>
-                  <a:tcPr marL="84379" marR="84379" marT="42190" marB="42190" anchor="ctr">
-                    <a:lnL>
-                      <a:noFill/>
-                    </a:lnL>
-                    <a:lnR>
-                      <a:noFill/>
-                    </a:lnR>
-                    <a:lnT>
-                      <a:noFill/>
-                    </a:lnT>
-                    <a:lnB>
-                      <a:noFill/>
-                    </a:lnB>
-                    <a:noFill/>
-                  </a:tcPr>
-                </a:tc>
-                <a:tc>
-                  <a:txBody>
-                    <a:bodyPr/>
-                    <a:lstStyle/>
-                    <a:p>
-                      <a:pPr algn="r">
-                        <a:buNone/>
-                      </a:pPr>
-                      <a:r>
-                        <a:rPr lang="en-US" sz="1700"/>
-                        <a:t>-0.1210</a:t>
-                      </a:r>
-                    </a:p>
-                  </a:txBody>
-                  <a:tcPr marL="84379" marR="84379" marT="42190" marB="42190" anchor="ctr">
-                    <a:lnL>
-                      <a:noFill/>
-                    </a:lnL>
-                    <a:lnR>
-                      <a:noFill/>
-                    </a:lnR>
-                    <a:lnT>
-                      <a:noFill/>
-                    </a:lnT>
-                    <a:lnB>
-                      <a:noFill/>
-                    </a:lnB>
-                    <a:noFill/>
-                  </a:tcPr>
-                </a:tc>
-                <a:tc>
-                  <a:txBody>
-                    <a:bodyPr/>
-                    <a:lstStyle/>
-                    <a:p>
-                      <a:pPr algn="r">
-                        <a:buNone/>
-                      </a:pPr>
-                      <a:r>
-                        <a:rPr lang="en-US" sz="1700"/>
-                        <a:t>0.0266</a:t>
-                      </a:r>
-                    </a:p>
-                  </a:txBody>
-                  <a:tcPr marL="84379" marR="84379" marT="42190" marB="42190" anchor="ctr">
-                    <a:lnL>
-                      <a:noFill/>
-                    </a:lnL>
-                    <a:lnR>
-                      <a:noFill/>
-                    </a:lnR>
-                    <a:lnT>
-                      <a:noFill/>
-                    </a:lnT>
-                    <a:lnB>
-                      <a:noFill/>
-                    </a:lnB>
-                    <a:noFill/>
-                  </a:tcPr>
-                </a:tc>
-                <a:tc>
-                  <a:txBody>
-                    <a:bodyPr/>
-                    <a:lstStyle/>
-                    <a:p>
-                      <a:pPr algn="r">
-                        <a:buNone/>
-                      </a:pPr>
-                      <a:r>
-                        <a:rPr lang="en-US" sz="1700"/>
-                        <a:t>0.0359</a:t>
-                      </a:r>
-                    </a:p>
-                  </a:txBody>
-                  <a:tcPr marL="84379" marR="84379" marT="42190" marB="42190" anchor="ctr">
-                    <a:lnL>
-                      <a:noFill/>
-                    </a:lnL>
-                    <a:lnR>
-                      <a:noFill/>
-                    </a:lnR>
-                    <a:lnT>
-                      <a:noFill/>
-                    </a:lnT>
-                    <a:lnB>
-                      <a:noFill/>
-                    </a:lnB>
-                    <a:noFill/>
-                  </a:tcPr>
-                </a:tc>
-                <a:tc>
-                  <a:txBody>
-                    <a:bodyPr/>
-                    <a:lstStyle/>
-                    <a:p>
-                      <a:pPr algn="r">
-                        <a:buNone/>
-                      </a:pPr>
-                      <a:r>
-                        <a:rPr lang="en-US" sz="1700"/>
-                        <a:t>-0.0277</a:t>
-                      </a:r>
-                    </a:p>
-                  </a:txBody>
-                  <a:tcPr marL="84379" marR="84379" marT="42190" marB="42190" anchor="ctr">
-                    <a:lnL>
-                      <a:noFill/>
-                    </a:lnL>
-                    <a:lnR>
-                      <a:noFill/>
-                    </a:lnR>
-                    <a:lnT>
-                      <a:noFill/>
-                    </a:lnT>
-                    <a:lnB>
-                      <a:noFill/>
-                    </a:lnB>
-                    <a:noFill/>
-                  </a:tcPr>
-                </a:tc>
-                <a:extLst>
-                  <a:ext uri="{0D108BD9-81ED-4DB2-BD59-A6C34878D82A}">
-                    <a16:rowId xmlns:a16="http://schemas.microsoft.com/office/drawing/2014/main" val="407618922"/>
-                  </a:ext>
-                </a:extLst>
-              </a:tr>
-              <a:tr h="425319">
-                <a:tc>
-                  <a:txBody>
-                    <a:bodyPr/>
-                    <a:lstStyle/>
-                    <a:p>
-                      <a:pPr algn="r">
-                        <a:buNone/>
-                      </a:pPr>
-                      <a:r>
-                        <a:rPr lang="en-US" sz="1700" b="1" dirty="0" err="1"/>
-                        <a:t>age_diff</a:t>
-                      </a:r>
-                      <a:endParaRPr lang="en-US" sz="1700" dirty="0"/>
-                    </a:p>
-                  </a:txBody>
-                  <a:tcPr marL="84379" marR="84379" marT="42190" marB="42190" anchor="ctr">
-                    <a:lnL>
-                      <a:noFill/>
-                    </a:lnL>
-                    <a:lnR>
-                      <a:noFill/>
-                    </a:lnR>
-                    <a:lnT>
-                      <a:noFill/>
-                    </a:lnT>
-                    <a:lnB>
-                      <a:noFill/>
-                    </a:lnB>
-                    <a:noFill/>
-                  </a:tcPr>
-                </a:tc>
-                <a:tc>
-                  <a:txBody>
-                    <a:bodyPr/>
-                    <a:lstStyle/>
-                    <a:p>
-                      <a:pPr algn="r">
-                        <a:buNone/>
-                      </a:pPr>
-                      <a:r>
-                        <a:rPr lang="en-US" sz="1700"/>
-                        <a:t>-0.0586</a:t>
-                      </a:r>
-                    </a:p>
-                  </a:txBody>
-                  <a:tcPr marL="84379" marR="84379" marT="42190" marB="42190" anchor="ctr">
-                    <a:lnL>
-                      <a:noFill/>
-                    </a:lnL>
-                    <a:lnR>
-                      <a:noFill/>
-                    </a:lnR>
-                    <a:lnT>
-                      <a:noFill/>
-                    </a:lnT>
-                    <a:lnB>
-                      <a:noFill/>
-                    </a:lnB>
-                    <a:noFill/>
-                  </a:tcPr>
-                </a:tc>
-                <a:tc>
-                  <a:txBody>
-                    <a:bodyPr/>
-                    <a:lstStyle/>
-                    <a:p>
-                      <a:pPr algn="r">
-                        <a:buNone/>
-                      </a:pPr>
-                      <a:r>
-                        <a:rPr lang="en-US" sz="1700"/>
-                        <a:t>-0.1210</a:t>
-                      </a:r>
-                    </a:p>
-                  </a:txBody>
-                  <a:tcPr marL="84379" marR="84379" marT="42190" marB="42190" anchor="ctr">
-                    <a:lnL>
-                      <a:noFill/>
-                    </a:lnL>
-                    <a:lnR>
-                      <a:noFill/>
-                    </a:lnR>
-                    <a:lnT>
-                      <a:noFill/>
-                    </a:lnT>
-                    <a:lnB>
-                      <a:noFill/>
-                    </a:lnB>
-                    <a:noFill/>
-                  </a:tcPr>
-                </a:tc>
-                <a:tc>
-                  <a:txBody>
-                    <a:bodyPr/>
-                    <a:lstStyle/>
-                    <a:p>
-                      <a:pPr algn="r">
-                        <a:buNone/>
-                      </a:pPr>
-                      <a:r>
-                        <a:rPr lang="en-US" sz="1700"/>
-                        <a:t>1.000</a:t>
-                      </a:r>
-                    </a:p>
-                  </a:txBody>
-                  <a:tcPr marL="84379" marR="84379" marT="42190" marB="42190" anchor="ctr">
-                    <a:lnL>
-                      <a:noFill/>
-                    </a:lnL>
-                    <a:lnR>
-                      <a:noFill/>
-                    </a:lnR>
-                    <a:lnT>
-                      <a:noFill/>
-                    </a:lnT>
-                    <a:lnB>
-                      <a:noFill/>
-                    </a:lnB>
-                    <a:noFill/>
-                  </a:tcPr>
-                </a:tc>
-                <a:tc>
-                  <a:txBody>
-                    <a:bodyPr/>
-                    <a:lstStyle/>
-                    <a:p>
-                      <a:pPr algn="r">
-                        <a:buNone/>
-                      </a:pPr>
-                      <a:r>
-                        <a:rPr lang="en-US" sz="1700"/>
-                        <a:t>0.0278</a:t>
-                      </a:r>
-                    </a:p>
-                  </a:txBody>
-                  <a:tcPr marL="84379" marR="84379" marT="42190" marB="42190" anchor="ctr">
-                    <a:lnL>
-                      <a:noFill/>
-                    </a:lnL>
-                    <a:lnR>
-                      <a:noFill/>
-                    </a:lnR>
-                    <a:lnT>
-                      <a:noFill/>
-                    </a:lnT>
-                    <a:lnB>
-                      <a:noFill/>
-                    </a:lnB>
-                    <a:noFill/>
-                  </a:tcPr>
-                </a:tc>
-                <a:tc>
-                  <a:txBody>
-                    <a:bodyPr/>
-                    <a:lstStyle/>
-                    <a:p>
-                      <a:pPr algn="r">
-                        <a:buNone/>
-                      </a:pPr>
-                      <a:r>
-                        <a:rPr lang="en-US" sz="1700"/>
-                        <a:t>-0.0276</a:t>
-                      </a:r>
-                    </a:p>
-                  </a:txBody>
-                  <a:tcPr marL="84379" marR="84379" marT="42190" marB="42190" anchor="ctr">
-                    <a:lnL>
-                      <a:noFill/>
-                    </a:lnL>
-                    <a:lnR>
-                      <a:noFill/>
-                    </a:lnR>
-                    <a:lnT>
-                      <a:noFill/>
-                    </a:lnT>
-                    <a:lnB>
-                      <a:noFill/>
-                    </a:lnB>
-                    <a:noFill/>
-                  </a:tcPr>
-                </a:tc>
-                <a:tc>
-                  <a:txBody>
-                    <a:bodyPr/>
-                    <a:lstStyle/>
-                    <a:p>
-                      <a:pPr algn="r">
-                        <a:buNone/>
-                      </a:pPr>
-                      <a:r>
-                        <a:rPr lang="en-US" sz="1700"/>
-                        <a:t>0.0211</a:t>
-                      </a:r>
-                    </a:p>
-                  </a:txBody>
-                  <a:tcPr marL="84379" marR="84379" marT="42190" marB="42190" anchor="ctr">
-                    <a:lnL>
-                      <a:noFill/>
-                    </a:lnL>
-                    <a:lnR>
-                      <a:noFill/>
-                    </a:lnR>
-                    <a:lnT>
-                      <a:noFill/>
-                    </a:lnT>
-                    <a:lnB>
-                      <a:noFill/>
-                    </a:lnB>
-                    <a:noFill/>
-                  </a:tcPr>
-                </a:tc>
-                <a:extLst>
-                  <a:ext uri="{0D108BD9-81ED-4DB2-BD59-A6C34878D82A}">
-                    <a16:rowId xmlns:a16="http://schemas.microsoft.com/office/drawing/2014/main" val="171579604"/>
-                  </a:ext>
-                </a:extLst>
-              </a:tr>
-              <a:tr h="746147">
-                <a:tc>
-                  <a:txBody>
-                    <a:bodyPr/>
-                    <a:lstStyle/>
-                    <a:p>
-                      <a:pPr algn="r">
-                        <a:buNone/>
-                      </a:pPr>
-                      <a:r>
-                        <a:rPr lang="en-US" sz="1700" b="1" dirty="0"/>
-                        <a:t>p1_h2h_win%</a:t>
-                      </a:r>
-                      <a:endParaRPr lang="en-US" sz="1700" dirty="0"/>
-                    </a:p>
-                  </a:txBody>
-                  <a:tcPr marL="84379" marR="84379" marT="42190" marB="42190" anchor="ctr">
-                    <a:lnL>
-                      <a:noFill/>
-                    </a:lnL>
-                    <a:lnR>
-                      <a:noFill/>
-                    </a:lnR>
-                    <a:lnT>
-                      <a:noFill/>
-                    </a:lnT>
-                    <a:lnB>
-                      <a:noFill/>
-                    </a:lnB>
-                    <a:noFill/>
-                  </a:tcPr>
-                </a:tc>
-                <a:tc>
-                  <a:txBody>
-                    <a:bodyPr/>
-                    <a:lstStyle/>
-                    <a:p>
-                      <a:pPr algn="r">
-                        <a:buNone/>
-                      </a:pPr>
-                      <a:r>
-                        <a:rPr lang="en-US" sz="1700" dirty="0"/>
-                        <a:t>-0.0146</a:t>
-                      </a:r>
-                    </a:p>
-                  </a:txBody>
-                  <a:tcPr marL="84379" marR="84379" marT="42190" marB="42190" anchor="ctr">
-                    <a:lnL>
-                      <a:noFill/>
-                    </a:lnL>
-                    <a:lnR>
-                      <a:noFill/>
-                    </a:lnR>
-                    <a:lnT>
-                      <a:noFill/>
-                    </a:lnT>
-                    <a:lnB>
-                      <a:noFill/>
-                    </a:lnB>
-                    <a:noFill/>
-                  </a:tcPr>
-                </a:tc>
-                <a:tc>
-                  <a:txBody>
-                    <a:bodyPr/>
-                    <a:lstStyle/>
-                    <a:p>
-                      <a:pPr algn="r">
-                        <a:buNone/>
-                      </a:pPr>
-                      <a:r>
-                        <a:rPr lang="en-US" sz="1700"/>
-                        <a:t>0.0266</a:t>
-                      </a:r>
-                    </a:p>
-                  </a:txBody>
-                  <a:tcPr marL="84379" marR="84379" marT="42190" marB="42190" anchor="ctr">
-                    <a:lnL>
-                      <a:noFill/>
-                    </a:lnL>
-                    <a:lnR>
-                      <a:noFill/>
-                    </a:lnR>
-                    <a:lnT>
-                      <a:noFill/>
-                    </a:lnT>
-                    <a:lnB>
-                      <a:noFill/>
-                    </a:lnB>
-                    <a:noFill/>
-                  </a:tcPr>
-                </a:tc>
-                <a:tc>
-                  <a:txBody>
-                    <a:bodyPr/>
-                    <a:lstStyle/>
-                    <a:p>
-                      <a:pPr algn="r">
-                        <a:buNone/>
-                      </a:pPr>
-                      <a:r>
-                        <a:rPr lang="en-US" sz="1700"/>
-                        <a:t>0.0278</a:t>
-                      </a:r>
-                    </a:p>
-                  </a:txBody>
-                  <a:tcPr marL="84379" marR="84379" marT="42190" marB="42190" anchor="ctr">
-                    <a:lnL>
-                      <a:noFill/>
-                    </a:lnL>
-                    <a:lnR>
-                      <a:noFill/>
-                    </a:lnR>
-                    <a:lnT>
-                      <a:noFill/>
-                    </a:lnT>
-                    <a:lnB>
-                      <a:noFill/>
-                    </a:lnB>
-                    <a:noFill/>
-                  </a:tcPr>
-                </a:tc>
-                <a:tc>
-                  <a:txBody>
-                    <a:bodyPr/>
-                    <a:lstStyle/>
-                    <a:p>
-                      <a:pPr algn="r">
-                        <a:buNone/>
-                      </a:pPr>
-                      <a:r>
-                        <a:rPr lang="en-US" sz="1700"/>
-                        <a:t>1.000</a:t>
-                      </a:r>
-                    </a:p>
-                  </a:txBody>
-                  <a:tcPr marL="84379" marR="84379" marT="42190" marB="42190" anchor="ctr">
-                    <a:lnL>
-                      <a:noFill/>
-                    </a:lnL>
-                    <a:lnR>
-                      <a:noFill/>
-                    </a:lnR>
-                    <a:lnT>
-                      <a:noFill/>
-                    </a:lnT>
-                    <a:lnB>
-                      <a:noFill/>
-                    </a:lnB>
-                    <a:noFill/>
-                  </a:tcPr>
-                </a:tc>
-                <a:tc>
-                  <a:txBody>
-                    <a:bodyPr/>
-                    <a:lstStyle/>
-                    <a:p>
-                      <a:pPr algn="r">
-                        <a:buNone/>
-                      </a:pPr>
-                      <a:r>
-                        <a:rPr lang="en-US" sz="1700"/>
-                        <a:t>0.1262</a:t>
-                      </a:r>
-                    </a:p>
-                  </a:txBody>
-                  <a:tcPr marL="84379" marR="84379" marT="42190" marB="42190" anchor="ctr">
-                    <a:lnL>
-                      <a:noFill/>
-                    </a:lnL>
-                    <a:lnR>
-                      <a:noFill/>
-                    </a:lnR>
-                    <a:lnT>
-                      <a:noFill/>
-                    </a:lnT>
-                    <a:lnB>
-                      <a:noFill/>
-                    </a:lnB>
-                    <a:noFill/>
-                  </a:tcPr>
-                </a:tc>
-                <a:tc>
-                  <a:txBody>
-                    <a:bodyPr/>
-                    <a:lstStyle/>
-                    <a:p>
-                      <a:pPr algn="r">
-                        <a:buNone/>
-                      </a:pPr>
-                      <a:r>
-                        <a:rPr lang="en-US" sz="1700"/>
-                        <a:t>0.0072</a:t>
-                      </a:r>
-                    </a:p>
-                  </a:txBody>
-                  <a:tcPr marL="84379" marR="84379" marT="42190" marB="42190" anchor="ctr">
-                    <a:lnL>
-                      <a:noFill/>
-                    </a:lnL>
-                    <a:lnR>
-                      <a:noFill/>
-                    </a:lnR>
-                    <a:lnT>
-                      <a:noFill/>
-                    </a:lnT>
-                    <a:lnB>
-                      <a:noFill/>
-                    </a:lnB>
-                    <a:noFill/>
-                  </a:tcPr>
-                </a:tc>
-                <a:extLst>
-                  <a:ext uri="{0D108BD9-81ED-4DB2-BD59-A6C34878D82A}">
-                    <a16:rowId xmlns:a16="http://schemas.microsoft.com/office/drawing/2014/main" val="2307598147"/>
-                  </a:ext>
-                </a:extLst>
-              </a:tr>
-              <a:tr h="746147">
-                <a:tc>
-                  <a:txBody>
-                    <a:bodyPr/>
-                    <a:lstStyle/>
-                    <a:p>
-                      <a:pPr algn="r">
-                        <a:buNone/>
-                      </a:pPr>
-                      <a:r>
-                        <a:rPr lang="en-US" sz="1700" b="1" dirty="0"/>
-                        <a:t>p1_recent_win%</a:t>
-                      </a:r>
-                      <a:endParaRPr lang="en-US" sz="1700" dirty="0"/>
-                    </a:p>
-                  </a:txBody>
-                  <a:tcPr marL="84379" marR="84379" marT="42190" marB="42190" anchor="ctr">
-                    <a:lnL>
-                      <a:noFill/>
-                    </a:lnL>
-                    <a:lnR>
-                      <a:noFill/>
-                    </a:lnR>
-                    <a:lnT>
-                      <a:noFill/>
-                    </a:lnT>
-                    <a:lnB>
-                      <a:noFill/>
-                    </a:lnB>
-                    <a:noFill/>
-                  </a:tcPr>
-                </a:tc>
-                <a:tc>
-                  <a:txBody>
-                    <a:bodyPr/>
-                    <a:lstStyle/>
-                    <a:p>
-                      <a:pPr algn="r">
-                        <a:buNone/>
-                      </a:pPr>
-                      <a:r>
-                        <a:rPr lang="en-US" sz="1700"/>
-                        <a:t>0.0133</a:t>
-                      </a:r>
-                    </a:p>
-                  </a:txBody>
-                  <a:tcPr marL="84379" marR="84379" marT="42190" marB="42190" anchor="ctr">
-                    <a:lnL>
-                      <a:noFill/>
-                    </a:lnL>
-                    <a:lnR>
-                      <a:noFill/>
-                    </a:lnR>
-                    <a:lnT>
-                      <a:noFill/>
-                    </a:lnT>
-                    <a:lnB>
-                      <a:noFill/>
-                    </a:lnB>
-                    <a:noFill/>
-                  </a:tcPr>
-                </a:tc>
-                <a:tc>
-                  <a:txBody>
-                    <a:bodyPr/>
-                    <a:lstStyle/>
-                    <a:p>
-                      <a:pPr algn="r">
-                        <a:buNone/>
-                      </a:pPr>
-                      <a:r>
-                        <a:rPr lang="en-US" sz="1700"/>
-                        <a:t>0.0359</a:t>
-                      </a:r>
-                    </a:p>
-                  </a:txBody>
-                  <a:tcPr marL="84379" marR="84379" marT="42190" marB="42190" anchor="ctr">
-                    <a:lnL>
-                      <a:noFill/>
-                    </a:lnL>
-                    <a:lnR>
-                      <a:noFill/>
-                    </a:lnR>
-                    <a:lnT>
-                      <a:noFill/>
-                    </a:lnT>
-                    <a:lnB>
-                      <a:noFill/>
-                    </a:lnB>
-                    <a:noFill/>
-                  </a:tcPr>
-                </a:tc>
-                <a:tc>
-                  <a:txBody>
-                    <a:bodyPr/>
-                    <a:lstStyle/>
-                    <a:p>
-                      <a:pPr algn="r">
-                        <a:buNone/>
-                      </a:pPr>
-                      <a:r>
-                        <a:rPr lang="en-US" sz="1700"/>
-                        <a:t>-0.0276</a:t>
-                      </a:r>
-                    </a:p>
-                  </a:txBody>
-                  <a:tcPr marL="84379" marR="84379" marT="42190" marB="42190" anchor="ctr">
-                    <a:lnL>
-                      <a:noFill/>
-                    </a:lnL>
-                    <a:lnR>
-                      <a:noFill/>
-                    </a:lnR>
-                    <a:lnT>
-                      <a:noFill/>
-                    </a:lnT>
-                    <a:lnB>
-                      <a:noFill/>
-                    </a:lnB>
-                    <a:noFill/>
-                  </a:tcPr>
-                </a:tc>
-                <a:tc>
-                  <a:txBody>
-                    <a:bodyPr/>
-                    <a:lstStyle/>
-                    <a:p>
-                      <a:pPr algn="r">
-                        <a:buNone/>
-                      </a:pPr>
-                      <a:r>
-                        <a:rPr lang="en-US" sz="1700"/>
-                        <a:t>0.1262</a:t>
-                      </a:r>
-                    </a:p>
-                  </a:txBody>
-                  <a:tcPr marL="84379" marR="84379" marT="42190" marB="42190" anchor="ctr">
-                    <a:lnL>
-                      <a:noFill/>
-                    </a:lnL>
-                    <a:lnR>
-                      <a:noFill/>
-                    </a:lnR>
-                    <a:lnT>
-                      <a:noFill/>
-                    </a:lnT>
-                    <a:lnB>
-                      <a:noFill/>
-                    </a:lnB>
-                    <a:noFill/>
-                  </a:tcPr>
-                </a:tc>
-                <a:tc>
-                  <a:txBody>
-                    <a:bodyPr/>
-                    <a:lstStyle/>
-                    <a:p>
-                      <a:pPr algn="r">
-                        <a:buNone/>
-                      </a:pPr>
-                      <a:r>
-                        <a:rPr lang="en-US" sz="1700"/>
-                        <a:t>1.000</a:t>
-                      </a:r>
-                    </a:p>
-                  </a:txBody>
-                  <a:tcPr marL="84379" marR="84379" marT="42190" marB="42190" anchor="ctr">
-                    <a:lnL>
-                      <a:noFill/>
-                    </a:lnL>
-                    <a:lnR>
-                      <a:noFill/>
-                    </a:lnR>
-                    <a:lnT>
-                      <a:noFill/>
-                    </a:lnT>
-                    <a:lnB>
-                      <a:noFill/>
-                    </a:lnB>
-                    <a:noFill/>
-                  </a:tcPr>
-                </a:tc>
-                <a:tc>
-                  <a:txBody>
-                    <a:bodyPr/>
-                    <a:lstStyle/>
-                    <a:p>
-                      <a:pPr algn="r">
-                        <a:buNone/>
-                      </a:pPr>
-                      <a:r>
-                        <a:rPr lang="en-US" sz="1700"/>
-                        <a:t>0.3369</a:t>
-                      </a:r>
-                    </a:p>
-                  </a:txBody>
-                  <a:tcPr marL="84379" marR="84379" marT="42190" marB="42190" anchor="ctr">
-                    <a:lnL>
-                      <a:noFill/>
-                    </a:lnL>
-                    <a:lnR>
-                      <a:noFill/>
-                    </a:lnR>
-                    <a:lnT>
-                      <a:noFill/>
-                    </a:lnT>
-                    <a:lnB>
-                      <a:noFill/>
-                    </a:lnB>
-                    <a:noFill/>
-                  </a:tcPr>
-                </a:tc>
-                <a:extLst>
-                  <a:ext uri="{0D108BD9-81ED-4DB2-BD59-A6C34878D82A}">
-                    <a16:rowId xmlns:a16="http://schemas.microsoft.com/office/drawing/2014/main" val="1597267806"/>
-                  </a:ext>
-                </a:extLst>
-              </a:tr>
-              <a:tr h="746147">
-                <a:tc>
-                  <a:txBody>
-                    <a:bodyPr/>
-                    <a:lstStyle/>
-                    <a:p>
-                      <a:pPr algn="r">
-                        <a:buNone/>
-                      </a:pPr>
-                      <a:r>
-                        <a:rPr lang="en-US" sz="1700" b="1" dirty="0"/>
-                        <a:t>p2_recent_win%</a:t>
-                      </a:r>
-                      <a:endParaRPr lang="en-US" sz="1700" dirty="0"/>
-                    </a:p>
-                  </a:txBody>
-                  <a:tcPr marL="84379" marR="84379" marT="42190" marB="42190" anchor="ctr">
-                    <a:lnL>
-                      <a:noFill/>
-                    </a:lnL>
-                    <a:lnR>
-                      <a:noFill/>
-                    </a:lnR>
-                    <a:lnT>
-                      <a:noFill/>
-                    </a:lnT>
-                    <a:lnB>
-                      <a:noFill/>
-                    </a:lnB>
-                    <a:noFill/>
-                  </a:tcPr>
-                </a:tc>
-                <a:tc>
-                  <a:txBody>
-                    <a:bodyPr/>
-                    <a:lstStyle/>
-                    <a:p>
-                      <a:pPr algn="r">
-                        <a:buNone/>
-                      </a:pPr>
-                      <a:r>
-                        <a:rPr lang="en-US" sz="1700"/>
-                        <a:t>0.0919</a:t>
-                      </a:r>
-                    </a:p>
-                  </a:txBody>
-                  <a:tcPr marL="84379" marR="84379" marT="42190" marB="42190" anchor="ctr">
-                    <a:lnL>
-                      <a:noFill/>
-                    </a:lnL>
-                    <a:lnR>
-                      <a:noFill/>
-                    </a:lnR>
-                    <a:lnT>
-                      <a:noFill/>
-                    </a:lnT>
-                    <a:lnB>
-                      <a:noFill/>
-                    </a:lnB>
-                    <a:noFill/>
-                  </a:tcPr>
-                </a:tc>
-                <a:tc>
-                  <a:txBody>
-                    <a:bodyPr/>
-                    <a:lstStyle/>
-                    <a:p>
-                      <a:pPr algn="r">
-                        <a:buNone/>
-                      </a:pPr>
-                      <a:r>
-                        <a:rPr lang="en-US" sz="1700"/>
-                        <a:t>-0.0277</a:t>
-                      </a:r>
-                    </a:p>
-                  </a:txBody>
-                  <a:tcPr marL="84379" marR="84379" marT="42190" marB="42190" anchor="ctr">
-                    <a:lnL>
-                      <a:noFill/>
-                    </a:lnL>
-                    <a:lnR>
-                      <a:noFill/>
-                    </a:lnR>
-                    <a:lnT>
-                      <a:noFill/>
-                    </a:lnT>
-                    <a:lnB>
-                      <a:noFill/>
-                    </a:lnB>
-                    <a:noFill/>
-                  </a:tcPr>
-                </a:tc>
-                <a:tc>
-                  <a:txBody>
-                    <a:bodyPr/>
-                    <a:lstStyle/>
-                    <a:p>
-                      <a:pPr algn="r">
-                        <a:buNone/>
-                      </a:pPr>
-                      <a:r>
-                        <a:rPr lang="en-US" sz="1700"/>
-                        <a:t>0.0211</a:t>
-                      </a:r>
-                    </a:p>
-                  </a:txBody>
-                  <a:tcPr marL="84379" marR="84379" marT="42190" marB="42190" anchor="ctr">
-                    <a:lnL>
-                      <a:noFill/>
-                    </a:lnL>
-                    <a:lnR>
-                      <a:noFill/>
-                    </a:lnR>
-                    <a:lnT>
-                      <a:noFill/>
-                    </a:lnT>
-                    <a:lnB>
-                      <a:noFill/>
-                    </a:lnB>
-                    <a:noFill/>
-                  </a:tcPr>
-                </a:tc>
-                <a:tc>
-                  <a:txBody>
-                    <a:bodyPr/>
-                    <a:lstStyle/>
-                    <a:p>
-                      <a:pPr algn="r">
-                        <a:buNone/>
-                      </a:pPr>
-                      <a:r>
-                        <a:rPr lang="en-US" sz="1700"/>
-                        <a:t>0.0072</a:t>
-                      </a:r>
-                    </a:p>
-                  </a:txBody>
-                  <a:tcPr marL="84379" marR="84379" marT="42190" marB="42190" anchor="ctr">
-                    <a:lnL>
-                      <a:noFill/>
-                    </a:lnL>
-                    <a:lnR>
-                      <a:noFill/>
-                    </a:lnR>
-                    <a:lnT>
-                      <a:noFill/>
-                    </a:lnT>
-                    <a:lnB>
-                      <a:noFill/>
-                    </a:lnB>
-                    <a:noFill/>
-                  </a:tcPr>
-                </a:tc>
-                <a:tc>
-                  <a:txBody>
-                    <a:bodyPr/>
-                    <a:lstStyle/>
-                    <a:p>
-                      <a:pPr algn="r">
-                        <a:buNone/>
-                      </a:pPr>
-                      <a:r>
-                        <a:rPr lang="en-US" sz="1700"/>
-                        <a:t>0.3369</a:t>
-                      </a:r>
-                    </a:p>
-                  </a:txBody>
-                  <a:tcPr marL="84379" marR="84379" marT="42190" marB="42190" anchor="ctr">
-                    <a:lnL>
-                      <a:noFill/>
-                    </a:lnL>
-                    <a:lnR>
-                      <a:noFill/>
-                    </a:lnR>
-                    <a:lnT>
-                      <a:noFill/>
-                    </a:lnT>
-                    <a:lnB>
-                      <a:noFill/>
-                    </a:lnB>
-                    <a:noFill/>
-                  </a:tcPr>
-                </a:tc>
-                <a:tc>
-                  <a:txBody>
-                    <a:bodyPr/>
-                    <a:lstStyle/>
-                    <a:p>
-                      <a:pPr algn="r">
-                        <a:buNone/>
-                      </a:pPr>
-                      <a:r>
-                        <a:rPr lang="en-US" sz="1700" dirty="0"/>
-                        <a:t>1.000</a:t>
-                      </a:r>
-                    </a:p>
-                  </a:txBody>
-                  <a:tcPr marL="84379" marR="84379" marT="42190" marB="42190" anchor="ctr">
-                    <a:lnL>
-                      <a:noFill/>
-                    </a:lnL>
-                    <a:lnR>
-                      <a:noFill/>
-                    </a:lnR>
-                    <a:lnT>
-                      <a:noFill/>
-                    </a:lnT>
-                    <a:lnB>
-                      <a:noFill/>
-                    </a:lnB>
-                    <a:noFill/>
-                  </a:tcPr>
-                </a:tc>
-                <a:extLst>
-                  <a:ext uri="{0D108BD9-81ED-4DB2-BD59-A6C34878D82A}">
-                    <a16:rowId xmlns:a16="http://schemas.microsoft.com/office/drawing/2014/main" val="2069027453"/>
-                  </a:ext>
-                </a:extLst>
-              </a:tr>
-            </a:tbl>
-          </a:graphicData>
-        </a:graphic>
-      </p:graphicFrame>
+          </p:nvPr>
+        </p:nvPicPr>
+        <p:blipFill>
+          <a:blip r:embed="rId2">
+            <a:extLst>
+              <a:ext uri="{28A0092B-C50C-407E-A947-70E740481C1C}">
+                <a14:useLocalDpi xmlns:a14="http://schemas.microsoft.com/office/drawing/2010/main" val="0"/>
+              </a:ext>
+            </a:extLst>
+          </a:blip>
+          <a:stretch>
+            <a:fillRect/>
+          </a:stretch>
+        </p:blipFill>
+        <p:spPr>
+          <a:xfrm>
+            <a:off x="501044" y="1674797"/>
+            <a:ext cx="8772958" cy="4386480"/>
+          </a:xfrm>
+        </p:spPr>
+      </p:pic>
     </p:spTree>
     <p:extLst>
       <p:ext uri="{BB962C8B-B14F-4D97-AF65-F5344CB8AC3E}">
-        <p14:creationId xmlns:p14="http://schemas.microsoft.com/office/powerpoint/2010/main" val="1353334600"/>
+        <p14:creationId xmlns:p14="http://schemas.microsoft.com/office/powerpoint/2010/main" val="1325953297"/>
       </p:ext>
     </p:extLst>
   </p:cSld>
@@ -9133,7 +9045,7 @@
           <p:cNvPr id="2" name="Title 1">
             <a:extLst>
               <a:ext uri="{FF2B5EF4-FFF2-40B4-BE49-F238E27FC236}">
-                <a16:creationId xmlns:a16="http://schemas.microsoft.com/office/drawing/2014/main" id="{16D5E542-AC7F-2199-B66A-5AF8A3D58BA3}"/>
+                <a16:creationId xmlns:a16="http://schemas.microsoft.com/office/drawing/2014/main" id="{F4FAFD33-08E3-2733-08DE-F0CA9143A67F}"/>
               </a:ext>
             </a:extLst>
           </p:cNvPr>
@@ -9151,49 +9063,143 @@
           <a:p>
             <a:r>
               <a:rPr lang="en-US" dirty="0"/>
-              <a:t>Looking Ahead</a:t>
-            </a:r>
-          </a:p>
-        </p:txBody>
-      </p:sp>
-      <p:sp>
-        <p:nvSpPr>
-          <p:cNvPr id="3" name="Content Placeholder 2">
+              <a:t>LDA</a:t>
+            </a:r>
+          </a:p>
+        </p:txBody>
+      </p:sp>
+      <p:pic>
+        <p:nvPicPr>
+          <p:cNvPr id="9" name="Content Placeholder 8" descr="A graph of a graph&#10;&#10;AI-generated content may be incorrect.">
             <a:extLst>
               <a:ext uri="{FF2B5EF4-FFF2-40B4-BE49-F238E27FC236}">
-                <a16:creationId xmlns:a16="http://schemas.microsoft.com/office/drawing/2014/main" id="{452AC6D8-EE83-0FEF-05C6-E9855B582577}"/>
+                <a16:creationId xmlns:a16="http://schemas.microsoft.com/office/drawing/2014/main" id="{A0535F04-6C68-5888-99E6-2E9F2EF4D6AD}"/>
               </a:ext>
             </a:extLst>
           </p:cNvPr>
-          <p:cNvSpPr>
-            <a:spLocks noGrp="1"/>
-          </p:cNvSpPr>
+          <p:cNvPicPr>
+            <a:picLocks noGrp="1" noChangeAspect="1"/>
+          </p:cNvPicPr>
           <p:nvPr>
             <p:ph idx="1"/>
           </p:nvPr>
-        </p:nvSpPr>
-        <p:spPr/>
-        <p:txBody>
-          <a:bodyPr/>
-          <a:lstStyle/>
-          <a:p>
-            <a:r>
-              <a:rPr lang="en-US" dirty="0"/>
-              <a:t>Clustering </a:t>
-            </a:r>
-          </a:p>
-          <a:p>
-            <a:r>
-              <a:rPr lang="en-US" dirty="0"/>
-              <a:t>Linear Regression</a:t>
-            </a:r>
-          </a:p>
-        </p:txBody>
-      </p:sp>
+        </p:nvPicPr>
+        <p:blipFill>
+          <a:blip r:embed="rId2">
+            <a:extLst>
+              <a:ext uri="{28A0092B-C50C-407E-A947-70E740481C1C}">
+                <a14:useLocalDpi xmlns:a14="http://schemas.microsoft.com/office/drawing/2010/main" val="0"/>
+              </a:ext>
+            </a:extLst>
+          </a:blip>
+          <a:stretch>
+            <a:fillRect/>
+          </a:stretch>
+        </p:blipFill>
+        <p:spPr>
+          <a:xfrm>
+            <a:off x="1318411" y="2272503"/>
+            <a:ext cx="7315215" cy="3657607"/>
+          </a:xfrm>
+        </p:spPr>
+      </p:pic>
     </p:spTree>
     <p:extLst>
       <p:ext uri="{BB962C8B-B14F-4D97-AF65-F5344CB8AC3E}">
-        <p14:creationId xmlns:p14="http://schemas.microsoft.com/office/powerpoint/2010/main" val="768673162"/>
+        <p14:creationId xmlns:p14="http://schemas.microsoft.com/office/powerpoint/2010/main" val="1843160069"/>
+      </p:ext>
+    </p:extLst>
+  </p:cSld>
+  <p:clrMapOvr>
+    <a:masterClrMapping/>
+  </p:clrMapOvr>
+</p:sld>
+</file>
+
+<file path=ppt/slides/slide9.xml><?xml version="1.0" encoding="utf-8"?>
+<p:sld xmlns:a="http://schemas.openxmlformats.org/drawingml/2006/main" xmlns:r="http://schemas.openxmlformats.org/officeDocument/2006/relationships" xmlns:p="http://schemas.openxmlformats.org/presentationml/2006/main">
+  <p:cSld>
+    <p:spTree>
+      <p:nvGrpSpPr>
+        <p:cNvPr id="1" name=""/>
+        <p:cNvGrpSpPr/>
+        <p:nvPr/>
+      </p:nvGrpSpPr>
+      <p:grpSpPr>
+        <a:xfrm>
+          <a:off x="0" y="0"/>
+          <a:ext cx="0" cy="0"/>
+          <a:chOff x="0" y="0"/>
+          <a:chExt cx="0" cy="0"/>
+        </a:xfrm>
+      </p:grpSpPr>
+      <p:sp>
+        <p:nvSpPr>
+          <p:cNvPr id="2" name="Title 1">
+            <a:extLst>
+              <a:ext uri="{FF2B5EF4-FFF2-40B4-BE49-F238E27FC236}">
+                <a16:creationId xmlns:a16="http://schemas.microsoft.com/office/drawing/2014/main" id="{05EE45BB-45EB-8CC6-39BE-85CBDF50F422}"/>
+              </a:ext>
+            </a:extLst>
+          </p:cNvPr>
+          <p:cNvSpPr>
+            <a:spLocks noGrp="1"/>
+          </p:cNvSpPr>
+          <p:nvPr>
+            <p:ph type="title"/>
+          </p:nvPr>
+        </p:nvSpPr>
+        <p:spPr/>
+        <p:txBody>
+          <a:bodyPr/>
+          <a:lstStyle/>
+          <a:p>
+            <a:r>
+              <a:rPr lang="en-US" dirty="0"/>
+              <a:t>PCA</a:t>
+            </a:r>
+          </a:p>
+        </p:txBody>
+      </p:sp>
+      <p:pic>
+        <p:nvPicPr>
+          <p:cNvPr id="5" name="Content Placeholder 4" descr="A graph with a line and a point&#10;&#10;AI-generated content may be incorrect.">
+            <a:extLst>
+              <a:ext uri="{FF2B5EF4-FFF2-40B4-BE49-F238E27FC236}">
+                <a16:creationId xmlns:a16="http://schemas.microsoft.com/office/drawing/2014/main" id="{6FBA6ED7-ABA1-3ABF-9E77-FCD5B5A7FDD3}"/>
+              </a:ext>
+            </a:extLst>
+          </p:cNvPr>
+          <p:cNvPicPr>
+            <a:picLocks noGrp="1" noChangeAspect="1"/>
+          </p:cNvPicPr>
+          <p:nvPr>
+            <p:ph idx="1"/>
+          </p:nvPr>
+        </p:nvPicPr>
+        <p:blipFill>
+          <a:blip r:embed="rId2">
+            <a:extLst>
+              <a:ext uri="{28A0092B-C50C-407E-A947-70E740481C1C}">
+                <a14:useLocalDpi xmlns:a14="http://schemas.microsoft.com/office/drawing/2010/main" val="0"/>
+              </a:ext>
+            </a:extLst>
+          </a:blip>
+          <a:stretch>
+            <a:fillRect/>
+          </a:stretch>
+        </p:blipFill>
+        <p:spPr>
+          <a:xfrm>
+            <a:off x="1741488" y="2160588"/>
+            <a:ext cx="6469061" cy="3881437"/>
+          </a:xfrm>
+        </p:spPr>
+      </p:pic>
+    </p:spTree>
+    <p:extLst>
+      <p:ext uri="{BB962C8B-B14F-4D97-AF65-F5344CB8AC3E}">
+        <p14:creationId xmlns:p14="http://schemas.microsoft.com/office/powerpoint/2010/main" val="1233039619"/>
       </p:ext>
     </p:extLst>
   </p:cSld>

--- a/ATP Tennis Matches.pptx
+++ b/ATP Tennis Matches.pptx
@@ -23,7 +23,8 @@
     <p:sldId id="274" r:id="rId17"/>
     <p:sldId id="276" r:id="rId18"/>
     <p:sldId id="275" r:id="rId19"/>
-    <p:sldId id="272" r:id="rId20"/>
+    <p:sldId id="277" r:id="rId20"/>
+    <p:sldId id="278" r:id="rId21"/>
   </p:sldIdLst>
   <p:sldSz cx="12192000" cy="6858000"/>
   <p:notesSz cx="6858000" cy="9144000"/>
@@ -908,7 +909,7 @@
           <a:p>
             <a:fld id="{1F86CEB3-6F70-454A-B51E-17576E9526B1}" type="datetimeFigureOut">
               <a:rPr lang="en-US" smtClean="0"/>
-              <a:t>12/2/2025</a:t>
+              <a:t>12/3/2025</a:t>
             </a:fld>
             <a:endParaRPr lang="en-US"/>
           </a:p>
@@ -1159,7 +1160,7 @@
           <a:p>
             <a:fld id="{1F86CEB3-6F70-454A-B51E-17576E9526B1}" type="datetimeFigureOut">
               <a:rPr lang="en-US" smtClean="0"/>
-              <a:t>12/2/2025</a:t>
+              <a:t>12/3/2025</a:t>
             </a:fld>
             <a:endParaRPr lang="en-US"/>
           </a:p>
@@ -1473,7 +1474,7 @@
           <a:p>
             <a:fld id="{1F86CEB3-6F70-454A-B51E-17576E9526B1}" type="datetimeFigureOut">
               <a:rPr lang="en-US" smtClean="0"/>
-              <a:t>12/2/2025</a:t>
+              <a:t>12/3/2025</a:t>
             </a:fld>
             <a:endParaRPr lang="en-US"/>
           </a:p>
@@ -1814,7 +1815,7 @@
           <a:p>
             <a:fld id="{1F86CEB3-6F70-454A-B51E-17576E9526B1}" type="datetimeFigureOut">
               <a:rPr lang="en-US" smtClean="0"/>
-              <a:t>12/2/2025</a:t>
+              <a:t>12/3/2025</a:t>
             </a:fld>
             <a:endParaRPr lang="en-US"/>
           </a:p>
@@ -2128,7 +2129,7 @@
           <a:p>
             <a:fld id="{1F86CEB3-6F70-454A-B51E-17576E9526B1}" type="datetimeFigureOut">
               <a:rPr lang="en-US" smtClean="0"/>
-              <a:t>12/2/2025</a:t>
+              <a:t>12/3/2025</a:t>
             </a:fld>
             <a:endParaRPr lang="en-US"/>
           </a:p>
@@ -2521,7 +2522,7 @@
           <a:p>
             <a:fld id="{1F86CEB3-6F70-454A-B51E-17576E9526B1}" type="datetimeFigureOut">
               <a:rPr lang="en-US" smtClean="0"/>
-              <a:t>12/2/2025</a:t>
+              <a:t>12/3/2025</a:t>
             </a:fld>
             <a:endParaRPr lang="en-US"/>
           </a:p>
@@ -2691,7 +2692,7 @@
           <a:p>
             <a:fld id="{1F86CEB3-6F70-454A-B51E-17576E9526B1}" type="datetimeFigureOut">
               <a:rPr lang="en-US" smtClean="0"/>
-              <a:t>12/2/2025</a:t>
+              <a:t>12/3/2025</a:t>
             </a:fld>
             <a:endParaRPr lang="en-US"/>
           </a:p>
@@ -2871,7 +2872,7 @@
           <a:p>
             <a:fld id="{1F86CEB3-6F70-454A-B51E-17576E9526B1}" type="datetimeFigureOut">
               <a:rPr lang="en-US" smtClean="0"/>
-              <a:t>12/2/2025</a:t>
+              <a:t>12/3/2025</a:t>
             </a:fld>
             <a:endParaRPr lang="en-US"/>
           </a:p>
@@ -3047,7 +3048,7 @@
           <a:p>
             <a:fld id="{1F86CEB3-6F70-454A-B51E-17576E9526B1}" type="datetimeFigureOut">
               <a:rPr lang="en-US" smtClean="0"/>
-              <a:t>12/2/2025</a:t>
+              <a:t>12/3/2025</a:t>
             </a:fld>
             <a:endParaRPr lang="en-US"/>
           </a:p>
@@ -3294,7 +3295,7 @@
           <a:p>
             <a:fld id="{1F86CEB3-6F70-454A-B51E-17576E9526B1}" type="datetimeFigureOut">
               <a:rPr lang="en-US" smtClean="0"/>
-              <a:t>12/2/2025</a:t>
+              <a:t>12/3/2025</a:t>
             </a:fld>
             <a:endParaRPr lang="en-US"/>
           </a:p>
@@ -3526,7 +3527,7 @@
           <a:p>
             <a:fld id="{1F86CEB3-6F70-454A-B51E-17576E9526B1}" type="datetimeFigureOut">
               <a:rPr lang="en-US" smtClean="0"/>
-              <a:t>12/2/2025</a:t>
+              <a:t>12/3/2025</a:t>
             </a:fld>
             <a:endParaRPr lang="en-US"/>
           </a:p>
@@ -3900,7 +3901,7 @@
           <a:p>
             <a:fld id="{1F86CEB3-6F70-454A-B51E-17576E9526B1}" type="datetimeFigureOut">
               <a:rPr lang="en-US" smtClean="0"/>
-              <a:t>12/2/2025</a:t>
+              <a:t>12/3/2025</a:t>
             </a:fld>
             <a:endParaRPr lang="en-US"/>
           </a:p>
@@ -4023,7 +4024,7 @@
           <a:p>
             <a:fld id="{1F86CEB3-6F70-454A-B51E-17576E9526B1}" type="datetimeFigureOut">
               <a:rPr lang="en-US" smtClean="0"/>
-              <a:t>12/2/2025</a:t>
+              <a:t>12/3/2025</a:t>
             </a:fld>
             <a:endParaRPr lang="en-US"/>
           </a:p>
@@ -4118,7 +4119,7 @@
           <a:p>
             <a:fld id="{1F86CEB3-6F70-454A-B51E-17576E9526B1}" type="datetimeFigureOut">
               <a:rPr lang="en-US" smtClean="0"/>
-              <a:t>12/2/2025</a:t>
+              <a:t>12/3/2025</a:t>
             </a:fld>
             <a:endParaRPr lang="en-US"/>
           </a:p>
@@ -4373,7 +4374,7 @@
           <a:p>
             <a:fld id="{1F86CEB3-6F70-454A-B51E-17576E9526B1}" type="datetimeFigureOut">
               <a:rPr lang="en-US" smtClean="0"/>
-              <a:t>12/2/2025</a:t>
+              <a:t>12/3/2025</a:t>
             </a:fld>
             <a:endParaRPr lang="en-US"/>
           </a:p>
@@ -4636,7 +4637,7 @@
           <a:p>
             <a:fld id="{1F86CEB3-6F70-454A-B51E-17576E9526B1}" type="datetimeFigureOut">
               <a:rPr lang="en-US" smtClean="0"/>
-              <a:t>12/2/2025</a:t>
+              <a:t>12/3/2025</a:t>
             </a:fld>
             <a:endParaRPr lang="en-US"/>
           </a:p>
@@ -5435,7 +5436,7 @@
           <a:p>
             <a:fld id="{1F86CEB3-6F70-454A-B51E-17576E9526B1}" type="datetimeFigureOut">
               <a:rPr lang="en-US" smtClean="0"/>
-              <a:t>12/2/2025</a:t>
+              <a:t>12/3/2025</a:t>
             </a:fld>
             <a:endParaRPr lang="en-US"/>
           </a:p>
@@ -8299,7 +8300,7 @@
           <p:cNvPr id="2" name="Title 1">
             <a:extLst>
               <a:ext uri="{FF2B5EF4-FFF2-40B4-BE49-F238E27FC236}">
-                <a16:creationId xmlns:a16="http://schemas.microsoft.com/office/drawing/2014/main" id="{A1A21F2E-26C6-4143-6A0A-D9589BA91298}"/>
+                <a16:creationId xmlns:a16="http://schemas.microsoft.com/office/drawing/2014/main" id="{C5F2A924-E3CE-1B32-4DCF-CC86D16AF9B9}"/>
               </a:ext>
             </a:extLst>
           </p:cNvPr>
@@ -8317,7 +8318,7 @@
           <a:p>
             <a:r>
               <a:rPr lang="en-US" dirty="0"/>
-              <a:t>Clustering</a:t>
+              <a:t>Recommendations</a:t>
             </a:r>
           </a:p>
         </p:txBody>
@@ -8327,7 +8328,7 @@
           <p:cNvPr id="3" name="Content Placeholder 2">
             <a:extLst>
               <a:ext uri="{FF2B5EF4-FFF2-40B4-BE49-F238E27FC236}">
-                <a16:creationId xmlns:a16="http://schemas.microsoft.com/office/drawing/2014/main" id="{1538C7FF-3DE8-2654-3267-188495E4AAB1}"/>
+                <a16:creationId xmlns:a16="http://schemas.microsoft.com/office/drawing/2014/main" id="{8E4291FB-770F-E9CB-0E32-51552110DDAA}"/>
               </a:ext>
             </a:extLst>
           </p:cNvPr>
@@ -8350,7 +8351,7 @@
     </p:spTree>
     <p:extLst>
       <p:ext uri="{BB962C8B-B14F-4D97-AF65-F5344CB8AC3E}">
-        <p14:creationId xmlns:p14="http://schemas.microsoft.com/office/powerpoint/2010/main" val="519261047"/>
+        <p14:creationId xmlns:p14="http://schemas.microsoft.com/office/powerpoint/2010/main" val="2306104423"/>
       </p:ext>
     </p:extLst>
   </p:cSld>
@@ -8449,6 +8450,89 @@
     <p:extLst>
       <p:ext uri="{BB962C8B-B14F-4D97-AF65-F5344CB8AC3E}">
         <p14:creationId xmlns:p14="http://schemas.microsoft.com/office/powerpoint/2010/main" val="574058091"/>
+      </p:ext>
+    </p:extLst>
+  </p:cSld>
+  <p:clrMapOvr>
+    <a:masterClrMapping/>
+  </p:clrMapOvr>
+</p:sld>
+</file>
+
+<file path=ppt/slides/slide20.xml><?xml version="1.0" encoding="utf-8"?>
+<p:sld xmlns:a="http://schemas.openxmlformats.org/drawingml/2006/main" xmlns:r="http://schemas.openxmlformats.org/officeDocument/2006/relationships" xmlns:p="http://schemas.openxmlformats.org/presentationml/2006/main">
+  <p:cSld>
+    <p:spTree>
+      <p:nvGrpSpPr>
+        <p:cNvPr id="1" name=""/>
+        <p:cNvGrpSpPr/>
+        <p:nvPr/>
+      </p:nvGrpSpPr>
+      <p:grpSpPr>
+        <a:xfrm>
+          <a:off x="0" y="0"/>
+          <a:ext cx="0" cy="0"/>
+          <a:chOff x="0" y="0"/>
+          <a:chExt cx="0" cy="0"/>
+        </a:xfrm>
+      </p:grpSpPr>
+      <p:sp>
+        <p:nvSpPr>
+          <p:cNvPr id="2" name="Title 1">
+            <a:extLst>
+              <a:ext uri="{FF2B5EF4-FFF2-40B4-BE49-F238E27FC236}">
+                <a16:creationId xmlns:a16="http://schemas.microsoft.com/office/drawing/2014/main" id="{966E4AA0-CC06-1FBC-B4EA-14BD41DA495C}"/>
+              </a:ext>
+            </a:extLst>
+          </p:cNvPr>
+          <p:cNvSpPr>
+            <a:spLocks noGrp="1"/>
+          </p:cNvSpPr>
+          <p:nvPr>
+            <p:ph type="title"/>
+          </p:nvPr>
+        </p:nvSpPr>
+        <p:spPr/>
+        <p:txBody>
+          <a:bodyPr/>
+          <a:lstStyle/>
+          <a:p>
+            <a:r>
+              <a:rPr lang="en-US" dirty="0"/>
+              <a:t>Improvements</a:t>
+            </a:r>
+          </a:p>
+        </p:txBody>
+      </p:sp>
+      <p:sp>
+        <p:nvSpPr>
+          <p:cNvPr id="3" name="Content Placeholder 2">
+            <a:extLst>
+              <a:ext uri="{FF2B5EF4-FFF2-40B4-BE49-F238E27FC236}">
+                <a16:creationId xmlns:a16="http://schemas.microsoft.com/office/drawing/2014/main" id="{231168D1-C69A-184B-7FE9-F35DA959A149}"/>
+              </a:ext>
+            </a:extLst>
+          </p:cNvPr>
+          <p:cNvSpPr>
+            <a:spLocks noGrp="1"/>
+          </p:cNvSpPr>
+          <p:nvPr>
+            <p:ph idx="1"/>
+          </p:nvPr>
+        </p:nvSpPr>
+        <p:spPr/>
+        <p:txBody>
+          <a:bodyPr/>
+          <a:lstStyle/>
+          <a:p>
+            <a:endParaRPr lang="en-US" dirty="0"/>
+          </a:p>
+        </p:txBody>
+      </p:sp>
+    </p:spTree>
+    <p:extLst>
+      <p:ext uri="{BB962C8B-B14F-4D97-AF65-F5344CB8AC3E}">
+        <p14:creationId xmlns:p14="http://schemas.microsoft.com/office/powerpoint/2010/main" val="3918422876"/>
       </p:ext>
     </p:extLst>
   </p:cSld>
@@ -8772,17 +8856,8 @@
               <a:rPr lang="en-US" dirty="0">
                 <a:sym typeface="Wingdings" panose="05000000000000000000" pitchFamily="2" charset="2"/>
               </a:rPr>
-              <a:t>Regression Games difference</a:t>
-            </a:r>
-          </a:p>
-          <a:p>
-            <a:r>
-              <a:rPr lang="en-US" dirty="0">
-                <a:sym typeface="Wingdings" panose="05000000000000000000" pitchFamily="2" charset="2"/>
-              </a:rPr>
-              <a:t>Clustering Match type</a:t>
-            </a:r>
-            <a:endParaRPr lang="en-US" dirty="0"/>
+              <a:t>Regression Percentage of points won</a:t>
+            </a:r>
           </a:p>
         </p:txBody>
       </p:sp>
